--- a/Arduino/解説スライド_201611.pptx
+++ b/Arduino/解説スライド_201611.pptx
@@ -5,10 +5,10 @@
     <p:sldMasterId id="2147483648" r:id="rId1"/>
   </p:sldMasterIdLst>
   <p:notesMasterIdLst>
-    <p:notesMasterId r:id="rId30"/>
+    <p:notesMasterId r:id="rId31"/>
   </p:notesMasterIdLst>
   <p:handoutMasterIdLst>
-    <p:handoutMasterId r:id="rId31"/>
+    <p:handoutMasterId r:id="rId32"/>
   </p:handoutMasterIdLst>
   <p:sldIdLst>
     <p:sldId id="256" r:id="rId2"/>
@@ -19,26 +19,27 @@
     <p:sldId id="308" r:id="rId7"/>
     <p:sldId id="309" r:id="rId8"/>
     <p:sldId id="310" r:id="rId9"/>
-    <p:sldId id="312" r:id="rId10"/>
-    <p:sldId id="313" r:id="rId11"/>
-    <p:sldId id="314" r:id="rId12"/>
-    <p:sldId id="315" r:id="rId13"/>
-    <p:sldId id="316" r:id="rId14"/>
-    <p:sldId id="317" r:id="rId15"/>
-    <p:sldId id="318" r:id="rId16"/>
-    <p:sldId id="319" r:id="rId17"/>
-    <p:sldId id="320" r:id="rId18"/>
-    <p:sldId id="321" r:id="rId19"/>
-    <p:sldId id="322" r:id="rId20"/>
-    <p:sldId id="323" r:id="rId21"/>
-    <p:sldId id="324" r:id="rId22"/>
-    <p:sldId id="325" r:id="rId23"/>
-    <p:sldId id="326" r:id="rId24"/>
-    <p:sldId id="327" r:id="rId25"/>
-    <p:sldId id="328" r:id="rId26"/>
-    <p:sldId id="329" r:id="rId27"/>
-    <p:sldId id="287" r:id="rId28"/>
-    <p:sldId id="331" r:id="rId29"/>
+    <p:sldId id="332" r:id="rId10"/>
+    <p:sldId id="312" r:id="rId11"/>
+    <p:sldId id="313" r:id="rId12"/>
+    <p:sldId id="314" r:id="rId13"/>
+    <p:sldId id="315" r:id="rId14"/>
+    <p:sldId id="316" r:id="rId15"/>
+    <p:sldId id="317" r:id="rId16"/>
+    <p:sldId id="318" r:id="rId17"/>
+    <p:sldId id="319" r:id="rId18"/>
+    <p:sldId id="320" r:id="rId19"/>
+    <p:sldId id="321" r:id="rId20"/>
+    <p:sldId id="322" r:id="rId21"/>
+    <p:sldId id="323" r:id="rId22"/>
+    <p:sldId id="324" r:id="rId23"/>
+    <p:sldId id="325" r:id="rId24"/>
+    <p:sldId id="326" r:id="rId25"/>
+    <p:sldId id="327" r:id="rId26"/>
+    <p:sldId id="328" r:id="rId27"/>
+    <p:sldId id="329" r:id="rId28"/>
+    <p:sldId id="287" r:id="rId29"/>
+    <p:sldId id="331" r:id="rId30"/>
   </p:sldIdLst>
   <p:sldSz cx="9144000" cy="6858000" type="screen4x3"/>
   <p:notesSz cx="6858000" cy="9144000"/>
@@ -238,7 +239,7 @@
           <a:p>
             <a:fld id="{C7EB7823-29F5-934A-BF00-1FF447ABC1F7}" type="datetimeFigureOut">
               <a:rPr kumimoji="1" lang="ja-JP" altLang="en-US" smtClean="0"/>
-              <a:t>2016/9/27</a:t>
+              <a:t>2016/11/1</a:t>
             </a:fld>
             <a:endParaRPr kumimoji="1" lang="ja-JP" altLang="en-US"/>
           </a:p>
@@ -404,7 +405,7 @@
           <a:p>
             <a:fld id="{325D87A4-BA4E-C34C-8A85-9DA5F9DF2B55}" type="datetimeFigureOut">
               <a:rPr kumimoji="1" lang="ja-JP" altLang="en-US" smtClean="0"/>
-              <a:t>2016/9/27</a:t>
+              <a:t>2016/11/1</a:t>
             </a:fld>
             <a:endParaRPr kumimoji="1" lang="ja-JP" altLang="en-US"/>
           </a:p>
@@ -770,7 +771,7 @@
           <a:p>
             <a:fld id="{4D87D843-D0BC-544D-9531-6866706DD611}" type="slidenum">
               <a:rPr kumimoji="1" lang="ja-JP" altLang="en-US" smtClean="0"/>
-              <a:t>9</a:t>
+              <a:t>10</a:t>
             </a:fld>
             <a:endParaRPr kumimoji="1" lang="ja-JP" altLang="en-US"/>
           </a:p>
@@ -970,7 +971,7 @@
           <a:p>
             <a:fld id="{FA01BEEF-53A1-334B-9C60-DFB82D1AB404}" type="datetime1">
               <a:rPr kumimoji="1" lang="ja-JP" altLang="en-US" smtClean="0"/>
-              <a:t>2016/9/27</a:t>
+              <a:t>2016/11/1</a:t>
             </a:fld>
             <a:endParaRPr kumimoji="1" lang="ja-JP" altLang="en-US"/>
           </a:p>
@@ -1172,7 +1173,7 @@
           <a:p>
             <a:fld id="{15585AD9-38CC-B44B-AD4A-8287C7458DFF}" type="datetime1">
               <a:rPr kumimoji="1" lang="ja-JP" altLang="en-US" smtClean="0"/>
-              <a:t>2016/9/27</a:t>
+              <a:t>2016/11/1</a:t>
             </a:fld>
             <a:endParaRPr kumimoji="1" lang="ja-JP" altLang="en-US"/>
           </a:p>
@@ -1384,7 +1385,7 @@
           <a:p>
             <a:fld id="{D2DF0418-F10E-EF4C-9E10-F88566787F67}" type="datetime1">
               <a:rPr kumimoji="1" lang="ja-JP" altLang="en-US" smtClean="0"/>
-              <a:t>2016/9/27</a:t>
+              <a:t>2016/11/1</a:t>
             </a:fld>
             <a:endParaRPr kumimoji="1" lang="ja-JP" altLang="en-US"/>
           </a:p>
@@ -1586,7 +1587,7 @@
           <a:p>
             <a:fld id="{425ADFD7-5440-1F40-8DFA-0196AE9972E3}" type="datetime1">
               <a:rPr kumimoji="1" lang="ja-JP" altLang="en-US" smtClean="0"/>
-              <a:t>2016/9/27</a:t>
+              <a:t>2016/11/1</a:t>
             </a:fld>
             <a:endParaRPr kumimoji="1" lang="ja-JP" altLang="en-US"/>
           </a:p>
@@ -1832,7 +1833,7 @@
           <a:p>
             <a:fld id="{83642F59-4278-534D-A9AB-F97114623F32}" type="datetime1">
               <a:rPr kumimoji="1" lang="ja-JP" altLang="en-US" smtClean="0"/>
-              <a:t>2016/9/27</a:t>
+              <a:t>2016/11/1</a:t>
             </a:fld>
             <a:endParaRPr kumimoji="1" lang="ja-JP" altLang="en-US"/>
           </a:p>
@@ -2184,7 +2185,7 @@
           <a:p>
             <a:fld id="{6FADDC1D-A38D-6641-9AA2-5D6DF2096B02}" type="datetime1">
               <a:rPr kumimoji="1" lang="ja-JP" altLang="en-US" smtClean="0"/>
-              <a:t>2016/9/27</a:t>
+              <a:t>2016/11/1</a:t>
             </a:fld>
             <a:endParaRPr kumimoji="1" lang="ja-JP" altLang="en-US"/>
           </a:p>
@@ -2670,7 +2671,7 @@
           <a:p>
             <a:fld id="{72EDF56B-540B-A144-BF98-E5CAF5CC0007}" type="datetime1">
               <a:rPr kumimoji="1" lang="ja-JP" altLang="en-US" smtClean="0"/>
-              <a:t>2016/9/27</a:t>
+              <a:t>2016/11/1</a:t>
             </a:fld>
             <a:endParaRPr kumimoji="1" lang="ja-JP" altLang="en-US"/>
           </a:p>
@@ -2788,7 +2789,7 @@
           <a:p>
             <a:fld id="{1EE93875-B4DD-7541-AE7A-1C2142763EAA}" type="datetime1">
               <a:rPr kumimoji="1" lang="ja-JP" altLang="en-US" smtClean="0"/>
-              <a:t>2016/9/27</a:t>
+              <a:t>2016/11/1</a:t>
             </a:fld>
             <a:endParaRPr kumimoji="1" lang="ja-JP" altLang="en-US"/>
           </a:p>
@@ -2883,7 +2884,7 @@
           <a:p>
             <a:fld id="{918775FF-1EED-E54F-A8C3-9A41F2E1995C}" type="datetime1">
               <a:rPr kumimoji="1" lang="ja-JP" altLang="en-US" smtClean="0"/>
-              <a:t>2016/9/27</a:t>
+              <a:t>2016/11/1</a:t>
             </a:fld>
             <a:endParaRPr kumimoji="1" lang="ja-JP" altLang="en-US"/>
           </a:p>
@@ -3192,7 +3193,7 @@
           <a:p>
             <a:fld id="{E192231C-3B06-9A4B-868C-A72975DBFC93}" type="datetime1">
               <a:rPr kumimoji="1" lang="ja-JP" altLang="en-US" smtClean="0"/>
-              <a:t>2016/9/27</a:t>
+              <a:t>2016/11/1</a:t>
             </a:fld>
             <a:endParaRPr kumimoji="1" lang="ja-JP" altLang="en-US"/>
           </a:p>
@@ -3445,7 +3446,7 @@
           <a:p>
             <a:fld id="{63035928-067E-5C4D-BF8D-C9735CFD51B1}" type="datetime1">
               <a:rPr kumimoji="1" lang="ja-JP" altLang="en-US" smtClean="0"/>
-              <a:t>2016/9/27</a:t>
+              <a:t>2016/11/1</a:t>
             </a:fld>
             <a:endParaRPr kumimoji="1" lang="ja-JP" altLang="en-US"/>
           </a:p>
@@ -3690,7 +3691,7 @@
           <a:p>
             <a:fld id="{EE4196B8-F0E5-3E4E-B985-2F715F7980CB}" type="datetime1">
               <a:rPr kumimoji="1" lang="ja-JP" altLang="en-US" smtClean="0"/>
-              <a:t>2016/9/27</a:t>
+              <a:t>2016/11/1</a:t>
             </a:fld>
             <a:endParaRPr kumimoji="1" lang="ja-JP" altLang="en-US"/>
           </a:p>
@@ -4307,18 +4308,6 @@
               </a:rPr>
               <a:t>2015-08-13 update</a:t>
             </a:r>
-            <a:endParaRPr kumimoji="1" lang="en-US" altLang="ja-JP" sz="1800" dirty="0" smtClean="0">
-              <a:solidFill>
-                <a:sysClr val="windowText" lastClr="000000"/>
-              </a:solidFill>
-              <a:effectLst>
-                <a:glow rad="101600">
-                  <a:schemeClr val="bg1">
-                    <a:alpha val="60000"/>
-                  </a:schemeClr>
-                </a:glow>
-              </a:effectLst>
-            </a:endParaRPr>
           </a:p>
           <a:p>
             <a:r>
@@ -4388,6 +4377,30 @@
           <a:chExt cx="0" cy="0"/>
         </a:xfrm>
       </p:grpSpPr>
+      <p:pic>
+        <p:nvPicPr>
+          <p:cNvPr id="11" name="図 10"/>
+          <p:cNvPicPr>
+            <a:picLocks noChangeAspect="1"/>
+          </p:cNvPicPr>
+          <p:nvPr/>
+        </p:nvPicPr>
+        <p:blipFill>
+          <a:blip r:embed="rId3"/>
+          <a:stretch>
+            <a:fillRect/>
+          </a:stretch>
+        </p:blipFill>
+        <p:spPr>
+          <a:xfrm>
+            <a:off x="172680" y="1600138"/>
+            <a:ext cx="8793023" cy="4569014"/>
+          </a:xfrm>
+          <a:prstGeom prst="rect">
+            <a:avLst/>
+          </a:prstGeom>
+        </p:spPr>
+      </p:pic>
       <p:sp>
         <p:nvSpPr>
           <p:cNvPr id="2" name="タイトル 1"/>
@@ -4404,6 +4417,334 @@
           <a:lstStyle/>
           <a:p>
             <a:r>
+              <a:rPr lang="ja-JP" altLang="en-US" dirty="0"/>
+              <a:t>スケッチ作成補助</a:t>
+            </a:r>
+            <a:r>
+              <a:rPr lang="ja-JP" altLang="en-US" dirty="0" smtClean="0"/>
+              <a:t>ツールの説明</a:t>
+            </a:r>
+            <a:endParaRPr kumimoji="1" lang="ja-JP" altLang="en-US" dirty="0"/>
+          </a:p>
+        </p:txBody>
+      </p:sp>
+      <p:sp>
+        <p:nvSpPr>
+          <p:cNvPr id="4" name="スライド番号プレースホルダー 3"/>
+          <p:cNvSpPr>
+            <a:spLocks noGrp="1"/>
+          </p:cNvSpPr>
+          <p:nvPr>
+            <p:ph type="sldNum" sz="quarter" idx="12"/>
+          </p:nvPr>
+        </p:nvSpPr>
+        <p:spPr/>
+        <p:txBody>
+          <a:bodyPr/>
+          <a:lstStyle/>
+          <a:p>
+            <a:fld id="{0CFEC368-1D7A-4F81-ABF6-AE0E36BAF64C}" type="slidenum">
+              <a:rPr lang="en-US" smtClean="0"/>
+              <a:pPr/>
+              <a:t>10</a:t>
+            </a:fld>
+            <a:endParaRPr lang="en-US"/>
+          </a:p>
+        </p:txBody>
+      </p:sp>
+      <p:sp>
+        <p:nvSpPr>
+          <p:cNvPr id="7" name="右中かっこ 6"/>
+          <p:cNvSpPr/>
+          <p:nvPr/>
+        </p:nvSpPr>
+        <p:spPr>
+          <a:xfrm rot="5400000">
+            <a:off x="4528020" y="4560683"/>
+            <a:ext cx="283031" cy="365760"/>
+          </a:xfrm>
+          <a:prstGeom prst="rightBrace">
+            <a:avLst/>
+          </a:prstGeom>
+          <a:ln w="76200">
+            <a:solidFill>
+              <a:srgbClr val="00B050"/>
+            </a:solidFill>
+          </a:ln>
+          <a:effectLst>
+            <a:glow rad="101600">
+              <a:schemeClr val="bg1">
+                <a:alpha val="60000"/>
+              </a:schemeClr>
+            </a:glow>
+          </a:effectLst>
+        </p:spPr>
+        <p:style>
+          <a:lnRef idx="1">
+            <a:schemeClr val="accent1"/>
+          </a:lnRef>
+          <a:fillRef idx="0">
+            <a:schemeClr val="accent1"/>
+          </a:fillRef>
+          <a:effectRef idx="0">
+            <a:schemeClr val="accent1"/>
+          </a:effectRef>
+          <a:fontRef idx="minor">
+            <a:schemeClr val="tx1"/>
+          </a:fontRef>
+        </p:style>
+        <p:txBody>
+          <a:bodyPr rtlCol="0" anchor="ctr"/>
+          <a:lstStyle/>
+          <a:p>
+            <a:pPr algn="ctr"/>
+            <a:endParaRPr kumimoji="1" lang="ja-JP" altLang="en-US"/>
+          </a:p>
+        </p:txBody>
+      </p:sp>
+      <p:sp>
+        <p:nvSpPr>
+          <p:cNvPr id="8" name="右中かっこ 7"/>
+          <p:cNvSpPr/>
+          <p:nvPr/>
+        </p:nvSpPr>
+        <p:spPr>
+          <a:xfrm rot="5400000">
+            <a:off x="5899187" y="4571567"/>
+            <a:ext cx="283031" cy="365760"/>
+          </a:xfrm>
+          <a:prstGeom prst="rightBrace">
+            <a:avLst/>
+          </a:prstGeom>
+          <a:ln w="76200">
+            <a:solidFill>
+              <a:srgbClr val="00B050"/>
+            </a:solidFill>
+          </a:ln>
+          <a:effectLst>
+            <a:glow rad="101600">
+              <a:schemeClr val="bg1">
+                <a:alpha val="60000"/>
+              </a:schemeClr>
+            </a:glow>
+          </a:effectLst>
+        </p:spPr>
+        <p:style>
+          <a:lnRef idx="1">
+            <a:schemeClr val="accent1"/>
+          </a:lnRef>
+          <a:fillRef idx="0">
+            <a:schemeClr val="accent1"/>
+          </a:fillRef>
+          <a:effectRef idx="0">
+            <a:schemeClr val="accent1"/>
+          </a:effectRef>
+          <a:fontRef idx="minor">
+            <a:schemeClr val="tx1"/>
+          </a:fontRef>
+        </p:style>
+        <p:txBody>
+          <a:bodyPr rtlCol="0" anchor="ctr"/>
+          <a:lstStyle/>
+          <a:p>
+            <a:pPr algn="ctr"/>
+            <a:endParaRPr kumimoji="1" lang="ja-JP" altLang="en-US"/>
+          </a:p>
+        </p:txBody>
+      </p:sp>
+      <p:sp>
+        <p:nvSpPr>
+          <p:cNvPr id="9" name="角丸四角形 8"/>
+          <p:cNvSpPr/>
+          <p:nvPr/>
+        </p:nvSpPr>
+        <p:spPr>
+          <a:xfrm>
+            <a:off x="2653068" y="4895963"/>
+            <a:ext cx="5371009" cy="583474"/>
+          </a:xfrm>
+          <a:prstGeom prst="roundRect">
+            <a:avLst/>
+          </a:prstGeom>
+          <a:solidFill>
+            <a:schemeClr val="bg1"/>
+          </a:solidFill>
+          <a:ln w="57150">
+            <a:solidFill>
+              <a:srgbClr val="00B050"/>
+            </a:solidFill>
+          </a:ln>
+        </p:spPr>
+        <p:style>
+          <a:lnRef idx="2">
+            <a:schemeClr val="accent1">
+              <a:shade val="50000"/>
+            </a:schemeClr>
+          </a:lnRef>
+          <a:fillRef idx="1">
+            <a:schemeClr val="accent1"/>
+          </a:fillRef>
+          <a:effectRef idx="0">
+            <a:schemeClr val="accent1"/>
+          </a:effectRef>
+          <a:fontRef idx="minor">
+            <a:schemeClr val="lt1"/>
+          </a:fontRef>
+        </p:style>
+        <p:txBody>
+          <a:bodyPr rtlCol="0" anchor="ctr"/>
+          <a:lstStyle/>
+          <a:p>
+            <a:pPr algn="ctr"/>
+            <a:r>
+              <a:rPr kumimoji="1" lang="ja-JP" altLang="en-US" sz="3600" dirty="0" smtClean="0">
+                <a:solidFill>
+                  <a:schemeClr val="tx1"/>
+                </a:solidFill>
+              </a:rPr>
+              <a:t>入力欄は</a:t>
+            </a:r>
+            <a:r>
+              <a:rPr kumimoji="1" lang="en-US" altLang="ja-JP" sz="3600" dirty="0" smtClean="0">
+                <a:solidFill>
+                  <a:schemeClr val="tx1"/>
+                </a:solidFill>
+              </a:rPr>
+              <a:t>N, O, R, S</a:t>
+            </a:r>
+            <a:r>
+              <a:rPr kumimoji="1" lang="ja-JP" altLang="en-US" sz="3600" dirty="0" smtClean="0">
+                <a:solidFill>
+                  <a:schemeClr val="tx1"/>
+                </a:solidFill>
+              </a:rPr>
+              <a:t>の</a:t>
+            </a:r>
+            <a:r>
+              <a:rPr kumimoji="1" lang="en-US" altLang="ja-JP" sz="3600" dirty="0" smtClean="0">
+                <a:solidFill>
+                  <a:schemeClr val="tx1"/>
+                </a:solidFill>
+              </a:rPr>
+              <a:t>4</a:t>
+            </a:r>
+            <a:r>
+              <a:rPr kumimoji="1" lang="ja-JP" altLang="en-US" sz="3600" dirty="0" smtClean="0">
+                <a:solidFill>
+                  <a:schemeClr val="tx1"/>
+                </a:solidFill>
+              </a:rPr>
+              <a:t>列</a:t>
+            </a:r>
+            <a:endParaRPr kumimoji="1" lang="ja-JP" altLang="en-US" sz="3600" dirty="0">
+              <a:solidFill>
+                <a:schemeClr val="tx1"/>
+              </a:solidFill>
+            </a:endParaRPr>
+          </a:p>
+        </p:txBody>
+      </p:sp>
+      <p:sp>
+        <p:nvSpPr>
+          <p:cNvPr id="10" name="正方形/長方形 9"/>
+          <p:cNvSpPr/>
+          <p:nvPr/>
+        </p:nvSpPr>
+        <p:spPr>
+          <a:xfrm>
+            <a:off x="0" y="0"/>
+            <a:ext cx="9144000" cy="426720"/>
+          </a:xfrm>
+          <a:prstGeom prst="rect">
+            <a:avLst/>
+          </a:prstGeom>
+          <a:solidFill>
+            <a:schemeClr val="accent5">
+              <a:lumMod val="60000"/>
+              <a:lumOff val="40000"/>
+            </a:schemeClr>
+          </a:solidFill>
+          <a:ln>
+            <a:noFill/>
+          </a:ln>
+          <a:effectLst/>
+        </p:spPr>
+        <p:style>
+          <a:lnRef idx="1">
+            <a:schemeClr val="accent1"/>
+          </a:lnRef>
+          <a:fillRef idx="3">
+            <a:schemeClr val="accent1"/>
+          </a:fillRef>
+          <a:effectRef idx="2">
+            <a:schemeClr val="accent1"/>
+          </a:effectRef>
+          <a:fontRef idx="minor">
+            <a:schemeClr val="lt1"/>
+          </a:fontRef>
+        </p:style>
+        <p:txBody>
+          <a:bodyPr rtlCol="0" anchor="ctr"/>
+          <a:lstStyle/>
+          <a:p>
+            <a:pPr algn="ctr"/>
+            <a:endParaRPr kumimoji="1" lang="ja-JP" altLang="en-US"/>
+          </a:p>
+        </p:txBody>
+      </p:sp>
+    </p:spTree>
+    <p:extLst>
+      <p:ext uri="{BB962C8B-B14F-4D97-AF65-F5344CB8AC3E}">
+        <p14:creationId xmlns:p14="http://schemas.microsoft.com/office/powerpoint/2010/main" val="2498091226"/>
+      </p:ext>
+    </p:extLst>
+  </p:cSld>
+  <p:clrMapOvr>
+    <a:masterClrMapping/>
+  </p:clrMapOvr>
+  <p:timing>
+    <p:tnLst>
+      <p:par>
+        <p:cTn id="1" dur="indefinite" restart="never" nodeType="tmRoot"/>
+      </p:par>
+    </p:tnLst>
+  </p:timing>
+</p:sld>
+</file>
+
+<file path=ppt/slides/slide11.xml><?xml version="1.0" encoding="utf-8"?>
+<p:sld xmlns:a="http://schemas.openxmlformats.org/drawingml/2006/main" xmlns:r="http://schemas.openxmlformats.org/officeDocument/2006/relationships" xmlns:p="http://schemas.openxmlformats.org/presentationml/2006/main">
+  <p:cSld>
+    <p:spTree>
+      <p:nvGrpSpPr>
+        <p:cNvPr id="1" name=""/>
+        <p:cNvGrpSpPr/>
+        <p:nvPr/>
+      </p:nvGrpSpPr>
+      <p:grpSpPr>
+        <a:xfrm>
+          <a:off x="0" y="0"/>
+          <a:ext cx="0" cy="0"/>
+          <a:chOff x="0" y="0"/>
+          <a:chExt cx="0" cy="0"/>
+        </a:xfrm>
+      </p:grpSpPr>
+      <p:sp>
+        <p:nvSpPr>
+          <p:cNvPr id="2" name="タイトル 1"/>
+          <p:cNvSpPr>
+            <a:spLocks noGrp="1"/>
+          </p:cNvSpPr>
+          <p:nvPr>
+            <p:ph type="title"/>
+          </p:nvPr>
+        </p:nvSpPr>
+        <p:spPr/>
+        <p:txBody>
+          <a:bodyPr/>
+          <a:lstStyle/>
+          <a:p>
+            <a:r>
               <a:rPr kumimoji="1" lang="en-US" altLang="ja-JP" dirty="0" smtClean="0"/>
               <a:t>N</a:t>
             </a:r>
@@ -4463,7 +4804,7 @@
             <a:fld id="{0CFEC368-1D7A-4F81-ABF6-AE0E36BAF64C}" type="slidenum">
               <a:rPr lang="en-US" smtClean="0"/>
               <a:pPr/>
-              <a:t>10</a:t>
+              <a:t>11</a:t>
             </a:fld>
             <a:endParaRPr lang="en-US"/>
           </a:p>
@@ -4853,10 +5194,17 @@
   <p:clrMapOvr>
     <a:masterClrMapping/>
   </p:clrMapOvr>
+  <p:timing>
+    <p:tnLst>
+      <p:par>
+        <p:cTn id="1" dur="indefinite" restart="never" nodeType="tmRoot"/>
+      </p:par>
+    </p:tnLst>
+  </p:timing>
 </p:sld>
 </file>
 
-<file path=ppt/slides/slide11.xml><?xml version="1.0" encoding="utf-8"?>
+<file path=ppt/slides/slide12.xml><?xml version="1.0" encoding="utf-8"?>
 <p:sld xmlns:a="http://schemas.openxmlformats.org/drawingml/2006/main" xmlns:r="http://schemas.openxmlformats.org/officeDocument/2006/relationships" xmlns:p="http://schemas.openxmlformats.org/presentationml/2006/main">
   <p:cSld>
     <p:spTree>
@@ -4947,7 +5295,7 @@
             <a:fld id="{0CFEC368-1D7A-4F81-ABF6-AE0E36BAF64C}" type="slidenum">
               <a:rPr lang="en-US" smtClean="0"/>
               <a:pPr/>
-              <a:t>11</a:t>
+              <a:t>12</a:t>
             </a:fld>
             <a:endParaRPr lang="en-US"/>
           </a:p>
@@ -5359,10 +5707,17 @@
   <p:clrMapOvr>
     <a:masterClrMapping/>
   </p:clrMapOvr>
+  <p:timing>
+    <p:tnLst>
+      <p:par>
+        <p:cTn id="1" dur="indefinite" restart="never" nodeType="tmRoot"/>
+      </p:par>
+    </p:tnLst>
+  </p:timing>
 </p:sld>
 </file>
 
-<file path=ppt/slides/slide12.xml><?xml version="1.0" encoding="utf-8"?>
+<file path=ppt/slides/slide13.xml><?xml version="1.0" encoding="utf-8"?>
 <p:sld xmlns:a="http://schemas.openxmlformats.org/drawingml/2006/main" xmlns:r="http://schemas.openxmlformats.org/officeDocument/2006/relationships" xmlns:p="http://schemas.openxmlformats.org/presentationml/2006/main">
   <p:cSld>
     <p:spTree>
@@ -5465,7 +5820,7 @@
             <a:fld id="{0CFEC368-1D7A-4F81-ABF6-AE0E36BAF64C}" type="slidenum">
               <a:rPr lang="en-US" smtClean="0"/>
               <a:pPr/>
-              <a:t>12</a:t>
+              <a:t>13</a:t>
             </a:fld>
             <a:endParaRPr lang="en-US"/>
           </a:p>
@@ -6078,10 +6433,17 @@
   <p:clrMapOvr>
     <a:masterClrMapping/>
   </p:clrMapOvr>
+  <p:timing>
+    <p:tnLst>
+      <p:par>
+        <p:cTn id="1" dur="indefinite" restart="never" nodeType="tmRoot"/>
+      </p:par>
+    </p:tnLst>
+  </p:timing>
 </p:sld>
 </file>
 
-<file path=ppt/slides/slide13.xml><?xml version="1.0" encoding="utf-8"?>
+<file path=ppt/slides/slide14.xml><?xml version="1.0" encoding="utf-8"?>
 <p:sld xmlns:a="http://schemas.openxmlformats.org/drawingml/2006/main" xmlns:r="http://schemas.openxmlformats.org/officeDocument/2006/relationships" xmlns:p="http://schemas.openxmlformats.org/presentationml/2006/main">
   <p:cSld>
     <p:spTree>
@@ -6176,7 +6538,7 @@
             <a:fld id="{0CFEC368-1D7A-4F81-ABF6-AE0E36BAF64C}" type="slidenum">
               <a:rPr lang="en-US" smtClean="0"/>
               <a:pPr/>
-              <a:t>13</a:t>
+              <a:t>14</a:t>
             </a:fld>
             <a:endParaRPr lang="en-US"/>
           </a:p>
@@ -6713,10 +7075,17 @@
   <p:clrMapOvr>
     <a:masterClrMapping/>
   </p:clrMapOvr>
+  <p:timing>
+    <p:tnLst>
+      <p:par>
+        <p:cTn id="1" dur="indefinite" restart="never" nodeType="tmRoot"/>
+      </p:par>
+    </p:tnLst>
+  </p:timing>
 </p:sld>
 </file>
 
-<file path=ppt/slides/slide14.xml><?xml version="1.0" encoding="utf-8"?>
+<file path=ppt/slides/slide15.xml><?xml version="1.0" encoding="utf-8"?>
 <p:sld xmlns:a="http://schemas.openxmlformats.org/drawingml/2006/main" xmlns:r="http://schemas.openxmlformats.org/officeDocument/2006/relationships" xmlns:p="http://schemas.openxmlformats.org/presentationml/2006/main">
   <p:cSld>
     <p:spTree>
@@ -6840,7 +7209,7 @@
             <a:fld id="{0CFEC368-1D7A-4F81-ABF6-AE0E36BAF64C}" type="slidenum">
               <a:rPr lang="en-US" smtClean="0"/>
               <a:pPr/>
-              <a:t>14</a:t>
+              <a:t>15</a:t>
             </a:fld>
             <a:endParaRPr lang="en-US"/>
           </a:p>
@@ -6982,10 +7351,17 @@
   <p:clrMapOvr>
     <a:masterClrMapping/>
   </p:clrMapOvr>
+  <p:timing>
+    <p:tnLst>
+      <p:par>
+        <p:cTn id="1" dur="indefinite" restart="never" nodeType="tmRoot"/>
+      </p:par>
+    </p:tnLst>
+  </p:timing>
 </p:sld>
 </file>
 
-<file path=ppt/slides/slide15.xml><?xml version="1.0" encoding="utf-8"?>
+<file path=ppt/slides/slide16.xml><?xml version="1.0" encoding="utf-8"?>
 <p:sld xmlns:a="http://schemas.openxmlformats.org/drawingml/2006/main" xmlns:r="http://schemas.openxmlformats.org/officeDocument/2006/relationships" xmlns:p="http://schemas.openxmlformats.org/presentationml/2006/main">
   <p:cSld>
     <p:spTree>
@@ -7098,7 +7474,7 @@
             <a:fld id="{0CFEC368-1D7A-4F81-ABF6-AE0E36BAF64C}" type="slidenum">
               <a:rPr lang="en-US" smtClean="0"/>
               <a:pPr/>
-              <a:t>15</a:t>
+              <a:t>16</a:t>
             </a:fld>
             <a:endParaRPr lang="en-US"/>
           </a:p>
@@ -7476,10 +7852,17 @@
   <p:clrMapOvr>
     <a:masterClrMapping/>
   </p:clrMapOvr>
+  <p:timing>
+    <p:tnLst>
+      <p:par>
+        <p:cTn id="1" dur="indefinite" restart="never" nodeType="tmRoot"/>
+      </p:par>
+    </p:tnLst>
+  </p:timing>
 </p:sld>
 </file>
 
-<file path=ppt/slides/slide16.xml><?xml version="1.0" encoding="utf-8"?>
+<file path=ppt/slides/slide17.xml><?xml version="1.0" encoding="utf-8"?>
 <p:sld xmlns:a="http://schemas.openxmlformats.org/drawingml/2006/main" xmlns:r="http://schemas.openxmlformats.org/officeDocument/2006/relationships" xmlns:p="http://schemas.openxmlformats.org/presentationml/2006/main">
   <p:cSld>
     <p:spTree>
@@ -7679,7 +8062,7 @@
           <a:p>
             <a:fld id="{BF8FB451-06E7-554B-86B4-243C60A4CE23}" type="slidenum">
               <a:rPr kumimoji="1" lang="ja-JP" altLang="en-US" smtClean="0"/>
-              <a:t>16</a:t>
+              <a:t>17</a:t>
             </a:fld>
             <a:endParaRPr kumimoji="1" lang="ja-JP" altLang="en-US"/>
           </a:p>
@@ -7753,7 +8136,7 @@
 </p:sld>
 </file>
 
-<file path=ppt/slides/slide17.xml><?xml version="1.0" encoding="utf-8"?>
+<file path=ppt/slides/slide18.xml><?xml version="1.0" encoding="utf-8"?>
 <p:sld xmlns:a="http://schemas.openxmlformats.org/drawingml/2006/main" xmlns:r="http://schemas.openxmlformats.org/officeDocument/2006/relationships" xmlns:p="http://schemas.openxmlformats.org/presentationml/2006/main">
   <p:cSld>
     <p:spTree>
@@ -7841,7 +8224,7 @@
             <a:fld id="{0CFEC368-1D7A-4F81-ABF6-AE0E36BAF64C}" type="slidenum">
               <a:rPr lang="en-US" smtClean="0"/>
               <a:pPr/>
-              <a:t>17</a:t>
+              <a:t>18</a:t>
             </a:fld>
             <a:endParaRPr lang="en-US"/>
           </a:p>
@@ -8453,7 +8836,7 @@
 </p:sld>
 </file>
 
-<file path=ppt/slides/slide18.xml><?xml version="1.0" encoding="utf-8"?>
+<file path=ppt/slides/slide19.xml><?xml version="1.0" encoding="utf-8"?>
 <p:sld xmlns:a="http://schemas.openxmlformats.org/drawingml/2006/main" xmlns:r="http://schemas.openxmlformats.org/officeDocument/2006/relationships" xmlns:p="http://schemas.openxmlformats.org/presentationml/2006/main">
   <p:cSld>
     <p:spTree>
@@ -8538,7 +8921,7 @@
             <a:fld id="{0CFEC368-1D7A-4F81-ABF6-AE0E36BAF64C}" type="slidenum">
               <a:rPr lang="en-US" smtClean="0"/>
               <a:pPr/>
-              <a:t>18</a:t>
+              <a:t>19</a:t>
             </a:fld>
             <a:endParaRPr lang="en-US"/>
           </a:p>
@@ -8706,313 +9089,6 @@
     <p:extLst>
       <p:ext uri="{BB962C8B-B14F-4D97-AF65-F5344CB8AC3E}">
         <p14:creationId xmlns:p14="http://schemas.microsoft.com/office/powerpoint/2010/main" val="3728927468"/>
-      </p:ext>
-    </p:extLst>
-  </p:cSld>
-  <p:clrMapOvr>
-    <a:masterClrMapping/>
-  </p:clrMapOvr>
-</p:sld>
-</file>
-
-<file path=ppt/slides/slide19.xml><?xml version="1.0" encoding="utf-8"?>
-<p:sld xmlns:a="http://schemas.openxmlformats.org/drawingml/2006/main" xmlns:r="http://schemas.openxmlformats.org/officeDocument/2006/relationships" xmlns:p="http://schemas.openxmlformats.org/presentationml/2006/main">
-  <p:cSld>
-    <p:spTree>
-      <p:nvGrpSpPr>
-        <p:cNvPr id="1" name=""/>
-        <p:cNvGrpSpPr/>
-        <p:nvPr/>
-      </p:nvGrpSpPr>
-      <p:grpSpPr>
-        <a:xfrm>
-          <a:off x="0" y="0"/>
-          <a:ext cx="0" cy="0"/>
-          <a:chOff x="0" y="0"/>
-          <a:chExt cx="0" cy="0"/>
-        </a:xfrm>
-      </p:grpSpPr>
-      <p:sp>
-        <p:nvSpPr>
-          <p:cNvPr id="2" name="タイトル 1"/>
-          <p:cNvSpPr>
-            <a:spLocks noGrp="1"/>
-          </p:cNvSpPr>
-          <p:nvPr>
-            <p:ph type="title"/>
-          </p:nvPr>
-        </p:nvSpPr>
-        <p:spPr/>
-        <p:txBody>
-          <a:bodyPr/>
-          <a:lstStyle/>
-          <a:p>
-            <a:r>
-              <a:rPr kumimoji="1" lang="ja-JP" altLang="en-US" dirty="0" smtClean="0"/>
-              <a:t>置換条件の設定</a:t>
-            </a:r>
-            <a:endParaRPr kumimoji="1" lang="ja-JP" altLang="en-US" dirty="0"/>
-          </a:p>
-        </p:txBody>
-      </p:sp>
-      <p:sp>
-        <p:nvSpPr>
-          <p:cNvPr id="3" name="コンテンツ プレースホルダー 2"/>
-          <p:cNvSpPr>
-            <a:spLocks noGrp="1"/>
-          </p:cNvSpPr>
-          <p:nvPr>
-            <p:ph idx="1"/>
-          </p:nvPr>
-        </p:nvSpPr>
-        <p:spPr/>
-        <p:txBody>
-          <a:bodyPr/>
-          <a:lstStyle/>
-          <a:p>
-            <a:endParaRPr kumimoji="1" lang="ja-JP" altLang="en-US"/>
-          </a:p>
-        </p:txBody>
-      </p:sp>
-      <p:sp>
-        <p:nvSpPr>
-          <p:cNvPr id="4" name="スライド番号プレースホルダー 3"/>
-          <p:cNvSpPr>
-            <a:spLocks noGrp="1"/>
-          </p:cNvSpPr>
-          <p:nvPr>
-            <p:ph type="sldNum" sz="quarter" idx="12"/>
-          </p:nvPr>
-        </p:nvSpPr>
-        <p:spPr/>
-        <p:txBody>
-          <a:bodyPr/>
-          <a:lstStyle/>
-          <a:p>
-            <a:fld id="{0CFEC368-1D7A-4F81-ABF6-AE0E36BAF64C}" type="slidenum">
-              <a:rPr lang="en-US" smtClean="0"/>
-              <a:pPr/>
-              <a:t>19</a:t>
-            </a:fld>
-            <a:endParaRPr lang="en-US"/>
-          </a:p>
-        </p:txBody>
-      </p:sp>
-      <p:pic>
-        <p:nvPicPr>
-          <p:cNvPr id="5" name="図 4"/>
-          <p:cNvPicPr>
-            <a:picLocks noChangeAspect="1"/>
-          </p:cNvPicPr>
-          <p:nvPr/>
-        </p:nvPicPr>
-        <p:blipFill>
-          <a:blip r:embed="rId2"/>
-          <a:stretch>
-            <a:fillRect/>
-          </a:stretch>
-        </p:blipFill>
-        <p:spPr>
-          <a:xfrm>
-            <a:off x="457200" y="2783214"/>
-            <a:ext cx="7482286" cy="3693786"/>
-          </a:xfrm>
-          <a:prstGeom prst="rect">
-            <a:avLst/>
-          </a:prstGeom>
-        </p:spPr>
-      </p:pic>
-      <p:sp>
-        <p:nvSpPr>
-          <p:cNvPr id="9" name="下矢印 8"/>
-          <p:cNvSpPr/>
-          <p:nvPr/>
-        </p:nvSpPr>
-        <p:spPr>
-          <a:xfrm>
-            <a:off x="5304799" y="3242079"/>
-            <a:ext cx="3100828" cy="1564014"/>
-          </a:xfrm>
-          <a:prstGeom prst="downArrow">
-            <a:avLst/>
-          </a:prstGeom>
-        </p:spPr>
-        <p:style>
-          <a:lnRef idx="2">
-            <a:schemeClr val="accent1">
-              <a:shade val="50000"/>
-            </a:schemeClr>
-          </a:lnRef>
-          <a:fillRef idx="1">
-            <a:schemeClr val="accent1"/>
-          </a:fillRef>
-          <a:effectRef idx="0">
-            <a:schemeClr val="accent1"/>
-          </a:effectRef>
-          <a:fontRef idx="minor">
-            <a:schemeClr val="lt1"/>
-          </a:fontRef>
-        </p:style>
-        <p:txBody>
-          <a:bodyPr rtlCol="0" anchor="ctr"/>
-          <a:lstStyle/>
-          <a:p>
-            <a:pPr algn="ctr"/>
-            <a:r>
-              <a:rPr kumimoji="1" lang="ja-JP" altLang="en-US" sz="3200" dirty="0"/>
-              <a:t>クリック</a:t>
-            </a:r>
-          </a:p>
-        </p:txBody>
-      </p:sp>
-      <p:sp>
-        <p:nvSpPr>
-          <p:cNvPr id="10" name="下矢印 9"/>
-          <p:cNvSpPr/>
-          <p:nvPr/>
-        </p:nvSpPr>
-        <p:spPr>
-          <a:xfrm>
-            <a:off x="3401657" y="2708729"/>
-            <a:ext cx="2148115" cy="1564014"/>
-          </a:xfrm>
-          <a:prstGeom prst="downArrow">
-            <a:avLst/>
-          </a:prstGeom>
-        </p:spPr>
-        <p:style>
-          <a:lnRef idx="2">
-            <a:schemeClr val="accent1">
-              <a:shade val="50000"/>
-            </a:schemeClr>
-          </a:lnRef>
-          <a:fillRef idx="1">
-            <a:schemeClr val="accent1"/>
-          </a:fillRef>
-          <a:effectRef idx="0">
-            <a:schemeClr val="accent1"/>
-          </a:effectRef>
-          <a:fontRef idx="minor">
-            <a:schemeClr val="lt1"/>
-          </a:fontRef>
-        </p:style>
-        <p:txBody>
-          <a:bodyPr rtlCol="0" anchor="ctr"/>
-          <a:lstStyle/>
-          <a:p>
-            <a:pPr algn="ctr"/>
-            <a:r>
-              <a:rPr kumimoji="1" lang="ja-JP" altLang="en-US" sz="3200" dirty="0" smtClean="0"/>
-              <a:t>空欄</a:t>
-            </a:r>
-            <a:endParaRPr kumimoji="1" lang="ja-JP" altLang="en-US" sz="3200" dirty="0"/>
-          </a:p>
-        </p:txBody>
-      </p:sp>
-      <p:sp>
-        <p:nvSpPr>
-          <p:cNvPr id="11" name="下矢印 10"/>
-          <p:cNvSpPr/>
-          <p:nvPr/>
-        </p:nvSpPr>
-        <p:spPr>
-          <a:xfrm>
-            <a:off x="1097515" y="2001207"/>
-            <a:ext cx="3741143" cy="1564014"/>
-          </a:xfrm>
-          <a:prstGeom prst="downArrow">
-            <a:avLst/>
-          </a:prstGeom>
-        </p:spPr>
-        <p:style>
-          <a:lnRef idx="2">
-            <a:schemeClr val="accent1">
-              <a:shade val="50000"/>
-            </a:schemeClr>
-          </a:lnRef>
-          <a:fillRef idx="1">
-            <a:schemeClr val="accent1"/>
-          </a:fillRef>
-          <a:effectRef idx="0">
-            <a:schemeClr val="accent1"/>
-          </a:effectRef>
-          <a:fontRef idx="minor">
-            <a:schemeClr val="lt1"/>
-          </a:fontRef>
-        </p:style>
-        <p:txBody>
-          <a:bodyPr rtlCol="0" anchor="ctr"/>
-          <a:lstStyle/>
-          <a:p>
-            <a:pPr algn="ctr"/>
-            <a:r>
-              <a:rPr kumimoji="1" lang="ja-JP" altLang="en-US" sz="2800" dirty="0" smtClean="0"/>
-              <a:t>半角で「</a:t>
-            </a:r>
-            <a:r>
-              <a:rPr kumimoji="1" lang="en-US" altLang="ja-JP" sz="2800" dirty="0" smtClean="0"/>
-              <a:t>”</a:t>
-            </a:r>
-            <a:r>
-              <a:rPr kumimoji="1" lang="ja-JP" altLang="en-US" sz="2800" dirty="0" smtClean="0"/>
-              <a:t>」を入力</a:t>
-            </a:r>
-            <a:endParaRPr kumimoji="1" lang="ja-JP" altLang="en-US" sz="2800" dirty="0"/>
-          </a:p>
-        </p:txBody>
-      </p:sp>
-      <p:sp>
-        <p:nvSpPr>
-          <p:cNvPr id="12" name="正方形/長方形 11"/>
-          <p:cNvSpPr/>
-          <p:nvPr/>
-        </p:nvSpPr>
-        <p:spPr>
-          <a:xfrm>
-            <a:off x="0" y="0"/>
-            <a:ext cx="9144000" cy="426720"/>
-          </a:xfrm>
-          <a:prstGeom prst="rect">
-            <a:avLst/>
-          </a:prstGeom>
-          <a:solidFill>
-            <a:schemeClr val="accent5">
-              <a:lumMod val="60000"/>
-              <a:lumOff val="40000"/>
-            </a:schemeClr>
-          </a:solidFill>
-          <a:ln>
-            <a:noFill/>
-          </a:ln>
-          <a:effectLst/>
-        </p:spPr>
-        <p:style>
-          <a:lnRef idx="1">
-            <a:schemeClr val="accent1"/>
-          </a:lnRef>
-          <a:fillRef idx="3">
-            <a:schemeClr val="accent1"/>
-          </a:fillRef>
-          <a:effectRef idx="2">
-            <a:schemeClr val="accent1"/>
-          </a:effectRef>
-          <a:fontRef idx="minor">
-            <a:schemeClr val="lt1"/>
-          </a:fontRef>
-        </p:style>
-        <p:txBody>
-          <a:bodyPr rtlCol="0" anchor="ctr"/>
-          <a:lstStyle/>
-          <a:p>
-            <a:pPr algn="ctr"/>
-            <a:endParaRPr kumimoji="1" lang="ja-JP" altLang="en-US"/>
-          </a:p>
-        </p:txBody>
-      </p:sp>
-    </p:spTree>
-    <p:extLst>
-      <p:ext uri="{BB962C8B-B14F-4D97-AF65-F5344CB8AC3E}">
-        <p14:creationId xmlns:p14="http://schemas.microsoft.com/office/powerpoint/2010/main" val="3811262092"/>
       </p:ext>
     </p:extLst>
   </p:cSld>
@@ -9582,7 +9658,7 @@
           <a:p>
             <a:r>
               <a:rPr kumimoji="1" lang="ja-JP" altLang="en-US" dirty="0" smtClean="0"/>
-              <a:t>置換の実行</a:t>
+              <a:t>置換条件の設定</a:t>
             </a:r>
             <a:endParaRPr kumimoji="1" lang="ja-JP" altLang="en-US" dirty="0"/>
           </a:p>
@@ -9626,6 +9702,313 @@
               <a:rPr lang="en-US" smtClean="0"/>
               <a:pPr/>
               <a:t>20</a:t>
+            </a:fld>
+            <a:endParaRPr lang="en-US"/>
+          </a:p>
+        </p:txBody>
+      </p:sp>
+      <p:pic>
+        <p:nvPicPr>
+          <p:cNvPr id="5" name="図 4"/>
+          <p:cNvPicPr>
+            <a:picLocks noChangeAspect="1"/>
+          </p:cNvPicPr>
+          <p:nvPr/>
+        </p:nvPicPr>
+        <p:blipFill>
+          <a:blip r:embed="rId2"/>
+          <a:stretch>
+            <a:fillRect/>
+          </a:stretch>
+        </p:blipFill>
+        <p:spPr>
+          <a:xfrm>
+            <a:off x="457200" y="2783214"/>
+            <a:ext cx="7482286" cy="3693786"/>
+          </a:xfrm>
+          <a:prstGeom prst="rect">
+            <a:avLst/>
+          </a:prstGeom>
+        </p:spPr>
+      </p:pic>
+      <p:sp>
+        <p:nvSpPr>
+          <p:cNvPr id="9" name="下矢印 8"/>
+          <p:cNvSpPr/>
+          <p:nvPr/>
+        </p:nvSpPr>
+        <p:spPr>
+          <a:xfrm>
+            <a:off x="5304799" y="3242079"/>
+            <a:ext cx="3100828" cy="1564014"/>
+          </a:xfrm>
+          <a:prstGeom prst="downArrow">
+            <a:avLst/>
+          </a:prstGeom>
+        </p:spPr>
+        <p:style>
+          <a:lnRef idx="2">
+            <a:schemeClr val="accent1">
+              <a:shade val="50000"/>
+            </a:schemeClr>
+          </a:lnRef>
+          <a:fillRef idx="1">
+            <a:schemeClr val="accent1"/>
+          </a:fillRef>
+          <a:effectRef idx="0">
+            <a:schemeClr val="accent1"/>
+          </a:effectRef>
+          <a:fontRef idx="minor">
+            <a:schemeClr val="lt1"/>
+          </a:fontRef>
+        </p:style>
+        <p:txBody>
+          <a:bodyPr rtlCol="0" anchor="ctr"/>
+          <a:lstStyle/>
+          <a:p>
+            <a:pPr algn="ctr"/>
+            <a:r>
+              <a:rPr kumimoji="1" lang="ja-JP" altLang="en-US" sz="3200" dirty="0"/>
+              <a:t>クリック</a:t>
+            </a:r>
+          </a:p>
+        </p:txBody>
+      </p:sp>
+      <p:sp>
+        <p:nvSpPr>
+          <p:cNvPr id="10" name="下矢印 9"/>
+          <p:cNvSpPr/>
+          <p:nvPr/>
+        </p:nvSpPr>
+        <p:spPr>
+          <a:xfrm>
+            <a:off x="3401657" y="2708729"/>
+            <a:ext cx="2148115" cy="1564014"/>
+          </a:xfrm>
+          <a:prstGeom prst="downArrow">
+            <a:avLst/>
+          </a:prstGeom>
+        </p:spPr>
+        <p:style>
+          <a:lnRef idx="2">
+            <a:schemeClr val="accent1">
+              <a:shade val="50000"/>
+            </a:schemeClr>
+          </a:lnRef>
+          <a:fillRef idx="1">
+            <a:schemeClr val="accent1"/>
+          </a:fillRef>
+          <a:effectRef idx="0">
+            <a:schemeClr val="accent1"/>
+          </a:effectRef>
+          <a:fontRef idx="minor">
+            <a:schemeClr val="lt1"/>
+          </a:fontRef>
+        </p:style>
+        <p:txBody>
+          <a:bodyPr rtlCol="0" anchor="ctr"/>
+          <a:lstStyle/>
+          <a:p>
+            <a:pPr algn="ctr"/>
+            <a:r>
+              <a:rPr kumimoji="1" lang="ja-JP" altLang="en-US" sz="3200" dirty="0" smtClean="0"/>
+              <a:t>空欄</a:t>
+            </a:r>
+            <a:endParaRPr kumimoji="1" lang="ja-JP" altLang="en-US" sz="3200" dirty="0"/>
+          </a:p>
+        </p:txBody>
+      </p:sp>
+      <p:sp>
+        <p:nvSpPr>
+          <p:cNvPr id="11" name="下矢印 10"/>
+          <p:cNvSpPr/>
+          <p:nvPr/>
+        </p:nvSpPr>
+        <p:spPr>
+          <a:xfrm>
+            <a:off x="1097515" y="2001207"/>
+            <a:ext cx="3741143" cy="1564014"/>
+          </a:xfrm>
+          <a:prstGeom prst="downArrow">
+            <a:avLst/>
+          </a:prstGeom>
+        </p:spPr>
+        <p:style>
+          <a:lnRef idx="2">
+            <a:schemeClr val="accent1">
+              <a:shade val="50000"/>
+            </a:schemeClr>
+          </a:lnRef>
+          <a:fillRef idx="1">
+            <a:schemeClr val="accent1"/>
+          </a:fillRef>
+          <a:effectRef idx="0">
+            <a:schemeClr val="accent1"/>
+          </a:effectRef>
+          <a:fontRef idx="minor">
+            <a:schemeClr val="lt1"/>
+          </a:fontRef>
+        </p:style>
+        <p:txBody>
+          <a:bodyPr rtlCol="0" anchor="ctr"/>
+          <a:lstStyle/>
+          <a:p>
+            <a:pPr algn="ctr"/>
+            <a:r>
+              <a:rPr kumimoji="1" lang="ja-JP" altLang="en-US" sz="2800" dirty="0" smtClean="0"/>
+              <a:t>半角で「</a:t>
+            </a:r>
+            <a:r>
+              <a:rPr kumimoji="1" lang="en-US" altLang="ja-JP" sz="2800" dirty="0" smtClean="0"/>
+              <a:t>”</a:t>
+            </a:r>
+            <a:r>
+              <a:rPr kumimoji="1" lang="ja-JP" altLang="en-US" sz="2800" dirty="0" smtClean="0"/>
+              <a:t>」を入力</a:t>
+            </a:r>
+            <a:endParaRPr kumimoji="1" lang="ja-JP" altLang="en-US" sz="2800" dirty="0"/>
+          </a:p>
+        </p:txBody>
+      </p:sp>
+      <p:sp>
+        <p:nvSpPr>
+          <p:cNvPr id="12" name="正方形/長方形 11"/>
+          <p:cNvSpPr/>
+          <p:nvPr/>
+        </p:nvSpPr>
+        <p:spPr>
+          <a:xfrm>
+            <a:off x="0" y="0"/>
+            <a:ext cx="9144000" cy="426720"/>
+          </a:xfrm>
+          <a:prstGeom prst="rect">
+            <a:avLst/>
+          </a:prstGeom>
+          <a:solidFill>
+            <a:schemeClr val="accent5">
+              <a:lumMod val="60000"/>
+              <a:lumOff val="40000"/>
+            </a:schemeClr>
+          </a:solidFill>
+          <a:ln>
+            <a:noFill/>
+          </a:ln>
+          <a:effectLst/>
+        </p:spPr>
+        <p:style>
+          <a:lnRef idx="1">
+            <a:schemeClr val="accent1"/>
+          </a:lnRef>
+          <a:fillRef idx="3">
+            <a:schemeClr val="accent1"/>
+          </a:fillRef>
+          <a:effectRef idx="2">
+            <a:schemeClr val="accent1"/>
+          </a:effectRef>
+          <a:fontRef idx="minor">
+            <a:schemeClr val="lt1"/>
+          </a:fontRef>
+        </p:style>
+        <p:txBody>
+          <a:bodyPr rtlCol="0" anchor="ctr"/>
+          <a:lstStyle/>
+          <a:p>
+            <a:pPr algn="ctr"/>
+            <a:endParaRPr kumimoji="1" lang="ja-JP" altLang="en-US"/>
+          </a:p>
+        </p:txBody>
+      </p:sp>
+    </p:spTree>
+    <p:extLst>
+      <p:ext uri="{BB962C8B-B14F-4D97-AF65-F5344CB8AC3E}">
+        <p14:creationId xmlns:p14="http://schemas.microsoft.com/office/powerpoint/2010/main" val="3811262092"/>
+      </p:ext>
+    </p:extLst>
+  </p:cSld>
+  <p:clrMapOvr>
+    <a:masterClrMapping/>
+  </p:clrMapOvr>
+</p:sld>
+</file>
+
+<file path=ppt/slides/slide21.xml><?xml version="1.0" encoding="utf-8"?>
+<p:sld xmlns:a="http://schemas.openxmlformats.org/drawingml/2006/main" xmlns:r="http://schemas.openxmlformats.org/officeDocument/2006/relationships" xmlns:p="http://schemas.openxmlformats.org/presentationml/2006/main">
+  <p:cSld>
+    <p:spTree>
+      <p:nvGrpSpPr>
+        <p:cNvPr id="1" name=""/>
+        <p:cNvGrpSpPr/>
+        <p:nvPr/>
+      </p:nvGrpSpPr>
+      <p:grpSpPr>
+        <a:xfrm>
+          <a:off x="0" y="0"/>
+          <a:ext cx="0" cy="0"/>
+          <a:chOff x="0" y="0"/>
+          <a:chExt cx="0" cy="0"/>
+        </a:xfrm>
+      </p:grpSpPr>
+      <p:sp>
+        <p:nvSpPr>
+          <p:cNvPr id="2" name="タイトル 1"/>
+          <p:cNvSpPr>
+            <a:spLocks noGrp="1"/>
+          </p:cNvSpPr>
+          <p:nvPr>
+            <p:ph type="title"/>
+          </p:nvPr>
+        </p:nvSpPr>
+        <p:spPr/>
+        <p:txBody>
+          <a:bodyPr/>
+          <a:lstStyle/>
+          <a:p>
+            <a:r>
+              <a:rPr kumimoji="1" lang="ja-JP" altLang="en-US" dirty="0" smtClean="0"/>
+              <a:t>置換の実行</a:t>
+            </a:r>
+            <a:endParaRPr kumimoji="1" lang="ja-JP" altLang="en-US" dirty="0"/>
+          </a:p>
+        </p:txBody>
+      </p:sp>
+      <p:sp>
+        <p:nvSpPr>
+          <p:cNvPr id="3" name="コンテンツ プレースホルダー 2"/>
+          <p:cNvSpPr>
+            <a:spLocks noGrp="1"/>
+          </p:cNvSpPr>
+          <p:nvPr>
+            <p:ph idx="1"/>
+          </p:nvPr>
+        </p:nvSpPr>
+        <p:spPr/>
+        <p:txBody>
+          <a:bodyPr/>
+          <a:lstStyle/>
+          <a:p>
+            <a:endParaRPr kumimoji="1" lang="ja-JP" altLang="en-US"/>
+          </a:p>
+        </p:txBody>
+      </p:sp>
+      <p:sp>
+        <p:nvSpPr>
+          <p:cNvPr id="4" name="スライド番号プレースホルダー 3"/>
+          <p:cNvSpPr>
+            <a:spLocks noGrp="1"/>
+          </p:cNvSpPr>
+          <p:nvPr>
+            <p:ph type="sldNum" sz="quarter" idx="12"/>
+          </p:nvPr>
+        </p:nvSpPr>
+        <p:spPr/>
+        <p:txBody>
+          <a:bodyPr/>
+          <a:lstStyle/>
+          <a:p>
+            <a:fld id="{0CFEC368-1D7A-4F81-ABF6-AE0E36BAF64C}" type="slidenum">
+              <a:rPr lang="en-US" smtClean="0"/>
+              <a:pPr/>
+              <a:t>21</a:t>
             </a:fld>
             <a:endParaRPr lang="en-US"/>
           </a:p>
@@ -9769,7 +10152,7 @@
 </p:sld>
 </file>
 
-<file path=ppt/slides/slide21.xml><?xml version="1.0" encoding="utf-8"?>
+<file path=ppt/slides/slide22.xml><?xml version="1.0" encoding="utf-8"?>
 <p:sld xmlns:a="http://schemas.openxmlformats.org/drawingml/2006/main" xmlns:r="http://schemas.openxmlformats.org/officeDocument/2006/relationships" xmlns:p="http://schemas.openxmlformats.org/presentationml/2006/main">
   <p:cSld>
     <p:spTree>
@@ -9858,7 +10241,7 @@
             <a:fld id="{0CFEC368-1D7A-4F81-ABF6-AE0E36BAF64C}" type="slidenum">
               <a:rPr lang="en-US" smtClean="0"/>
               <a:pPr/>
-              <a:t>21</a:t>
+              <a:t>22</a:t>
             </a:fld>
             <a:endParaRPr lang="en-US"/>
           </a:p>
@@ -9959,7 +10342,7 @@
 </p:sld>
 </file>
 
-<file path=ppt/slides/slide22.xml><?xml version="1.0" encoding="utf-8"?>
+<file path=ppt/slides/slide23.xml><?xml version="1.0" encoding="utf-8"?>
 <p:sld xmlns:a="http://schemas.openxmlformats.org/drawingml/2006/main" xmlns:r="http://schemas.openxmlformats.org/officeDocument/2006/relationships" xmlns:p="http://schemas.openxmlformats.org/presentationml/2006/main">
   <p:cSld>
     <p:spTree>
@@ -10053,7 +10436,7 @@
             <a:fld id="{BA9B540C-44DA-4F69-89C9-7C84606640D3}" type="slidenum">
               <a:rPr lang="en-US" smtClean="0"/>
               <a:pPr/>
-              <a:t>22</a:t>
+              <a:t>23</a:t>
             </a:fld>
             <a:endParaRPr lang="en-US"/>
           </a:p>
@@ -10077,10 +10460,13 @@
         </p:spPr>
         <p:txBody>
           <a:bodyPr>
-            <a:normAutofit fontScale="62500" lnSpcReduction="20000"/>
+            <a:normAutofit fontScale="85000" lnSpcReduction="10000"/>
           </a:bodyPr>
           <a:lstStyle/>
           <a:p>
+            <a:pPr marL="0" indent="0">
+              <a:buNone/>
+            </a:pPr>
             <a:r>
               <a:rPr kumimoji="1" lang="ja-JP" altLang="en-US" sz="3500" dirty="0" smtClean="0"/>
               <a:t>サンプル入手先</a:t>
@@ -10088,14 +10474,22 @@
             <a:endParaRPr kumimoji="1" lang="en-US" altLang="ja-JP" sz="3500" dirty="0" smtClean="0"/>
           </a:p>
           <a:p>
-            <a:pPr lvl="1"/>
+            <a:pPr marL="457200" lvl="1" indent="0">
+              <a:buNone/>
+            </a:pPr>
             <a:r>
               <a:rPr lang="en-US" altLang="ja-JP" dirty="0">
                 <a:hlinkClick r:id="rId3"/>
               </a:rPr>
-              <a:t>https://raw.githubusercontent.com/KatsuhiroMorishita/edu_ITD/5e57c655bd021312e83a02ca07160d648f358852/2015/Arduino_codes/music/music.ino</a:t>
-            </a:r>
-            <a:endParaRPr lang="en-US" altLang="ja-JP" dirty="0"/>
+              <a:t>https://</a:t>
+            </a:r>
+            <a:r>
+              <a:rPr lang="en-US" altLang="ja-JP" dirty="0" smtClean="0">
+                <a:hlinkClick r:id="rId3"/>
+              </a:rPr>
+              <a:t>github.com/KatsuhiroMorishita/electronic_music_box/tree/master/Arduino/code/music</a:t>
+            </a:r>
+            <a:endParaRPr lang="en-US" altLang="ja-JP" dirty="0" smtClean="0"/>
           </a:p>
           <a:p>
             <a:pPr lvl="1"/>
@@ -10276,7 +10670,7 @@
 </p:sld>
 </file>
 
-<file path=ppt/slides/slide23.xml><?xml version="1.0" encoding="utf-8"?>
+<file path=ppt/slides/slide24.xml><?xml version="1.0" encoding="utf-8"?>
 <p:sld xmlns:a="http://schemas.openxmlformats.org/drawingml/2006/main" xmlns:r="http://schemas.openxmlformats.org/officeDocument/2006/relationships" xmlns:p="http://schemas.openxmlformats.org/presentationml/2006/main">
   <p:cSld>
     <p:spTree>
@@ -10353,7 +10747,7 @@
             <a:fld id="{BF8FB451-06E7-554B-86B4-243C60A4CE23}" type="slidenum">
               <a:rPr lang="ja-JP" altLang="en-US" smtClean="0"/>
               <a:pPr/>
-              <a:t>23</a:t>
+              <a:t>24</a:t>
             </a:fld>
             <a:endParaRPr lang="ja-JP" altLang="en-US"/>
           </a:p>
@@ -10466,7 +10860,7 @@
 </p:sld>
 </file>
 
-<file path=ppt/slides/slide24.xml><?xml version="1.0" encoding="utf-8"?>
+<file path=ppt/slides/slide25.xml><?xml version="1.0" encoding="utf-8"?>
 <p:sld xmlns:a="http://schemas.openxmlformats.org/drawingml/2006/main" xmlns:r="http://schemas.openxmlformats.org/officeDocument/2006/relationships" xmlns:p="http://schemas.openxmlformats.org/presentationml/2006/main">
   <p:cSld>
     <p:spTree>
@@ -10525,7 +10919,7 @@
             <a:fld id="{BA9B540C-44DA-4F69-89C9-7C84606640D3}" type="slidenum">
               <a:rPr lang="en-US" smtClean="0"/>
               <a:pPr/>
-              <a:t>24</a:t>
+              <a:t>25</a:t>
             </a:fld>
             <a:endParaRPr lang="en-US"/>
           </a:p>
@@ -12011,7 +12405,7 @@
 </p:sld>
 </file>
 
-<file path=ppt/slides/slide25.xml><?xml version="1.0" encoding="utf-8"?>
+<file path=ppt/slides/slide26.xml><?xml version="1.0" encoding="utf-8"?>
 <p:sld xmlns:a="http://schemas.openxmlformats.org/drawingml/2006/main" xmlns:r="http://schemas.openxmlformats.org/officeDocument/2006/relationships" xmlns:p="http://schemas.openxmlformats.org/presentationml/2006/main">
   <p:cSld>
     <p:spTree>
@@ -12152,7 +12546,7 @@
             <a:fld id="{BA9B540C-44DA-4F69-89C9-7C84606640D3}" type="slidenum">
               <a:rPr lang="en-US" smtClean="0"/>
               <a:pPr/>
-              <a:t>25</a:t>
+              <a:t>26</a:t>
             </a:fld>
             <a:endParaRPr lang="en-US"/>
           </a:p>
@@ -12280,7 +12674,7 @@
 </p:sld>
 </file>
 
-<file path=ppt/slides/slide26.xml><?xml version="1.0" encoding="utf-8"?>
+<file path=ppt/slides/slide27.xml><?xml version="1.0" encoding="utf-8"?>
 <p:sld xmlns:a="http://schemas.openxmlformats.org/drawingml/2006/main" xmlns:r="http://schemas.openxmlformats.org/officeDocument/2006/relationships" xmlns:p="http://schemas.openxmlformats.org/presentationml/2006/main">
   <p:cSld>
     <p:spTree>
@@ -12386,7 +12780,7 @@
             <a:fld id="{BA9B540C-44DA-4F69-89C9-7C84606640D3}" type="slidenum">
               <a:rPr lang="en-US" smtClean="0"/>
               <a:pPr/>
-              <a:t>26</a:t>
+              <a:t>27</a:t>
             </a:fld>
             <a:endParaRPr lang="en-US"/>
           </a:p>
@@ -12495,7 +12889,7 @@
 </p:sld>
 </file>
 
-<file path=ppt/slides/slide27.xml><?xml version="1.0" encoding="utf-8"?>
+<file path=ppt/slides/slide28.xml><?xml version="1.0" encoding="utf-8"?>
 <p:sld xmlns:a="http://schemas.openxmlformats.org/drawingml/2006/main" xmlns:r="http://schemas.openxmlformats.org/officeDocument/2006/relationships" xmlns:p="http://schemas.openxmlformats.org/presentationml/2006/main">
   <p:cSld>
     <p:spTree>
@@ -12570,7 +12964,7 @@
           <a:p>
             <a:fld id="{BF8FB451-06E7-554B-86B4-243C60A4CE23}" type="slidenum">
               <a:rPr kumimoji="1" lang="ja-JP" altLang="en-US" smtClean="0"/>
-              <a:t>27</a:t>
+              <a:t>28</a:t>
             </a:fld>
             <a:endParaRPr kumimoji="1" lang="ja-JP" altLang="en-US"/>
           </a:p>
@@ -12660,7 +13054,7 @@
 </p:sld>
 </file>
 
-<file path=ppt/slides/slide28.xml><?xml version="1.0" encoding="utf-8"?>
+<file path=ppt/slides/slide29.xml><?xml version="1.0" encoding="utf-8"?>
 <p:sld xmlns:a="http://schemas.openxmlformats.org/drawingml/2006/main" xmlns:r="http://schemas.openxmlformats.org/officeDocument/2006/relationships" xmlns:p="http://schemas.openxmlformats.org/presentationml/2006/main">
   <p:cSld>
     <p:spTree>
@@ -12736,7 +13130,7 @@
           <a:p>
             <a:fld id="{BF8FB451-06E7-554B-86B4-243C60A4CE23}" type="slidenum">
               <a:rPr kumimoji="1" lang="ja-JP" altLang="en-US" smtClean="0"/>
-              <a:t>28</a:t>
+              <a:t>29</a:t>
             </a:fld>
             <a:endParaRPr kumimoji="1" lang="ja-JP" altLang="en-US"/>
           </a:p>
@@ -13118,6 +13512,13 @@
   <p:clrMapOvr>
     <a:masterClrMapping/>
   </p:clrMapOvr>
+  <p:timing>
+    <p:tnLst>
+      <p:par>
+        <p:cTn id="1" dur="indefinite" restart="never" nodeType="tmRoot"/>
+      </p:par>
+    </p:tnLst>
+  </p:timing>
 </p:sld>
 </file>
 
@@ -13302,6 +13703,13 @@
   <p:clrMapOvr>
     <a:masterClrMapping/>
   </p:clrMapOvr>
+  <p:timing>
+    <p:tnLst>
+      <p:par>
+        <p:cTn id="1" dur="indefinite" restart="never" nodeType="tmRoot"/>
+      </p:par>
+    </p:tnLst>
+  </p:timing>
 </p:sld>
 </file>
 
@@ -13447,6 +13855,13 @@
   <p:clrMapOvr>
     <a:masterClrMapping/>
   </p:clrMapOvr>
+  <p:timing>
+    <p:tnLst>
+      <p:par>
+        <p:cTn id="1" dur="indefinite" restart="never" nodeType="tmRoot"/>
+      </p:par>
+    </p:tnLst>
+  </p:timing>
 </p:sld>
 </file>
 
@@ -14699,6 +15114,13 @@
   <p:clrMapOvr>
     <a:masterClrMapping/>
   </p:clrMapOvr>
+  <p:timing>
+    <p:tnLst>
+      <p:par>
+        <p:cTn id="1" dur="indefinite" restart="never" nodeType="tmRoot"/>
+      </p:par>
+    </p:tnLst>
+  </p:timing>
 </p:sld>
 </file>
 
@@ -14719,30 +15141,6 @@
           <a:chExt cx="0" cy="0"/>
         </a:xfrm>
       </p:grpSpPr>
-      <p:pic>
-        <p:nvPicPr>
-          <p:cNvPr id="13" name="図 12"/>
-          <p:cNvPicPr>
-            <a:picLocks noChangeAspect="1"/>
-          </p:cNvPicPr>
-          <p:nvPr/>
-        </p:nvPicPr>
-        <p:blipFill>
-          <a:blip r:embed="rId2"/>
-          <a:stretch>
-            <a:fillRect/>
-          </a:stretch>
-        </p:blipFill>
-        <p:spPr>
-          <a:xfrm>
-            <a:off x="3854665" y="2779276"/>
-            <a:ext cx="5153650" cy="2677930"/>
-          </a:xfrm>
-          <a:prstGeom prst="rect">
-            <a:avLst/>
-          </a:prstGeom>
-        </p:spPr>
-      </p:pic>
       <p:sp>
         <p:nvSpPr>
           <p:cNvPr id="2" name="タイトル 1"/>
@@ -14753,12 +15151,7 @@
             <p:ph type="title"/>
           </p:nvPr>
         </p:nvSpPr>
-        <p:spPr>
-          <a:xfrm>
-            <a:off x="0" y="533400"/>
-            <a:ext cx="9143999" cy="990600"/>
-          </a:xfrm>
-        </p:spPr>
+        <p:spPr/>
         <p:txBody>
           <a:bodyPr>
             <a:normAutofit/>
@@ -14767,8 +15160,60 @@
           <a:p>
             <a:r>
               <a:rPr kumimoji="1" lang="ja-JP" altLang="en-US" dirty="0" smtClean="0"/>
-              <a:t>スケッチ作成補助ツールを起動</a:t>
-            </a:r>
+              <a:t>スケッチ作成補助ツール</a:t>
+            </a:r>
+            <a:r>
+              <a:rPr kumimoji="1" lang="ja-JP" altLang="en-US" dirty="0" smtClean="0"/>
+              <a:t>を入手</a:t>
+            </a:r>
+            <a:endParaRPr kumimoji="1" lang="ja-JP" altLang="en-US" dirty="0"/>
+          </a:p>
+        </p:txBody>
+      </p:sp>
+      <p:sp>
+        <p:nvSpPr>
+          <p:cNvPr id="6" name="コンテンツ プレースホルダー 5"/>
+          <p:cNvSpPr>
+            <a:spLocks noGrp="1"/>
+          </p:cNvSpPr>
+          <p:nvPr>
+            <p:ph idx="1"/>
+          </p:nvPr>
+        </p:nvSpPr>
+        <p:spPr/>
+        <p:txBody>
+          <a:bodyPr/>
+          <a:lstStyle/>
+          <a:p>
+            <a:pPr marL="0" indent="0">
+              <a:buNone/>
+            </a:pPr>
+            <a:r>
+              <a:rPr lang="ja-JP" altLang="en-US" dirty="0">
+                <a:effectLst>
+                  <a:glow rad="355600">
+                    <a:schemeClr val="bg1">
+                      <a:alpha val="75000"/>
+                    </a:schemeClr>
+                  </a:glow>
+                </a:effectLst>
+              </a:rPr>
+              <a:t>下記リンクよりダウンロードできます</a:t>
+            </a:r>
+            <a:endParaRPr lang="en-US" altLang="ja-JP" dirty="0">
+              <a:effectLst>
+                <a:glow rad="355600">
+                  <a:schemeClr val="bg1">
+                    <a:alpha val="75000"/>
+                  </a:schemeClr>
+                </a:glow>
+              </a:effectLst>
+            </a:endParaRPr>
+          </a:p>
+          <a:p>
+            <a:pPr marL="0" indent="0">
+              <a:buNone/>
+            </a:pPr>
             <a:endParaRPr kumimoji="1" lang="ja-JP" altLang="en-US" dirty="0"/>
           </a:p>
         </p:txBody>
@@ -14804,8 +15249,8 @@
         </p:nvSpPr>
         <p:spPr>
           <a:xfrm>
-            <a:off x="1353693" y="6034116"/>
-            <a:ext cx="4515739" cy="830997"/>
+            <a:off x="1777101" y="2372387"/>
+            <a:ext cx="4515739" cy="577081"/>
           </a:xfrm>
           <a:prstGeom prst="rect">
             <a:avLst/>
@@ -14818,40 +15263,29 @@
           </a:bodyPr>
           <a:lstStyle/>
           <a:p>
-            <a:pPr algn="ctr"/>
-            <a:r>
-              <a:rPr lang="it-IT" altLang="ja-JP" sz="1200" dirty="0">
+            <a:r>
+              <a:rPr lang="en-US" altLang="ja-JP" sz="1050" dirty="0">
                 <a:effectLst>
                   <a:glow rad="38100">
                     <a:schemeClr val="bg1"/>
                   </a:glow>
                 </a:effectLst>
-                <a:hlinkClick r:id="rId3"/>
+                <a:hlinkClick r:id="rId2"/>
               </a:rPr>
-              <a:t>https://dl.dropboxusercontent.com/u/43100313/HPStorage/Arduino%E3%82%AA%E3%83%AB%E3%82%B4%E3%83%BC%E3%83%AB%E7%94%A8Excel%E3%83%95%E3%82%A1%E3%82%A4%E3%83%</a:t>
-            </a:r>
-            <a:r>
-              <a:rPr lang="it-IT" altLang="ja-JP" sz="1200" dirty="0" smtClean="0">
+              <a:t>https://</a:t>
+            </a:r>
+            <a:r>
+              <a:rPr lang="en-US" altLang="ja-JP" sz="1050" dirty="0" smtClean="0">
                 <a:effectLst>
                   <a:glow rad="38100">
                     <a:schemeClr val="bg1"/>
                   </a:glow>
                 </a:effectLst>
-                <a:hlinkClick r:id="rId3"/>
+                <a:hlinkClick r:id="rId2"/>
               </a:rPr>
-              <a:t>AB.xlsx</a:t>
-            </a:r>
-            <a:endParaRPr lang="it-IT" altLang="ja-JP" sz="1200" dirty="0" smtClean="0">
-              <a:effectLst>
-                <a:glow rad="38100">
-                  <a:schemeClr val="bg1"/>
-                </a:glow>
-              </a:effectLst>
-            </a:endParaRPr>
-          </a:p>
-          <a:p>
-            <a:pPr algn="ctr"/>
-            <a:endParaRPr kumimoji="1" lang="ja-JP" altLang="en-US" sz="1200" dirty="0">
+              <a:t>github.com/KatsuhiroMorishita/electronic_music_box/blob/master/Arduino/Arduino%E3%82%AA%E3%83%AB%E3%82%B4%E3%83%BC%E3%83%AB%E7%94%A8Excel%E3%83%95%E3%82%A1%E3%82%A4%E3%83%AB.xlsx</a:t>
+            </a:r>
+            <a:endParaRPr lang="en-US" altLang="ja-JP" sz="1050" dirty="0" smtClean="0">
               <a:effectLst>
                 <a:glow rad="38100">
                   <a:schemeClr val="bg1"/>
@@ -14911,317 +15345,81 @@
       </p:sp>
       <p:pic>
         <p:nvPicPr>
-          <p:cNvPr id="5" name="図 4"/>
+          <p:cNvPr id="9" name="図 8"/>
           <p:cNvPicPr>
             <a:picLocks noChangeAspect="1"/>
           </p:cNvPicPr>
           <p:nvPr/>
         </p:nvPicPr>
         <p:blipFill>
-          <a:blip r:embed="rId4"/>
+          <a:blip r:embed="rId3"/>
           <a:stretch>
             <a:fillRect/>
           </a:stretch>
         </p:blipFill>
         <p:spPr>
           <a:xfrm>
-            <a:off x="236541" y="1759712"/>
-            <a:ext cx="2234303" cy="3176034"/>
+            <a:off x="838386" y="3173334"/>
+            <a:ext cx="7467227" cy="3183016"/>
           </a:xfrm>
           <a:prstGeom prst="rect">
             <a:avLst/>
           </a:prstGeom>
+          <a:ln w="38100" cap="sq">
+            <a:solidFill>
+              <a:srgbClr val="000000"/>
+            </a:solidFill>
+            <a:prstDash val="solid"/>
+            <a:miter lim="800000"/>
+          </a:ln>
+          <a:effectLst>
+            <a:outerShdw blurRad="50800" dist="38100" dir="2700000" algn="tl" rotWithShape="0">
+              <a:srgbClr val="000000">
+                <a:alpha val="43000"/>
+              </a:srgbClr>
+            </a:outerShdw>
+          </a:effectLst>
         </p:spPr>
       </p:pic>
-      <p:cxnSp>
-        <p:nvCxnSpPr>
-          <p:cNvPr id="10" name="直線矢印コネクタ 9"/>
-          <p:cNvCxnSpPr/>
+      <p:sp>
+        <p:nvSpPr>
+          <p:cNvPr id="14" name="下矢印 13"/>
+          <p:cNvSpPr/>
           <p:nvPr/>
-        </p:nvCxnSpPr>
+        </p:nvSpPr>
         <p:spPr>
           <a:xfrm>
-            <a:off x="2206051" y="3068201"/>
-            <a:ext cx="1804416" cy="719328"/>
+            <a:off x="5686171" y="4725721"/>
+            <a:ext cx="2355673" cy="562708"/>
           </a:xfrm>
-          <a:prstGeom prst="straightConnector1">
-            <a:avLst/>
-          </a:prstGeom>
-          <a:ln w="76200">
-            <a:tailEnd type="triangle"/>
-          </a:ln>
-        </p:spPr>
-        <p:style>
-          <a:lnRef idx="2">
-            <a:schemeClr val="dk1"/>
-          </a:lnRef>
-          <a:fillRef idx="0">
-            <a:schemeClr val="dk1"/>
-          </a:fillRef>
-          <a:effectRef idx="1">
-            <a:schemeClr val="dk1"/>
-          </a:effectRef>
-          <a:fontRef idx="minor">
-            <a:schemeClr val="tx1"/>
-          </a:fontRef>
-        </p:style>
-      </p:cxnSp>
-      <p:sp>
-        <p:nvSpPr>
-          <p:cNvPr id="11" name="コンテンツ プレースホルダー 2"/>
-          <p:cNvSpPr txBox="1">
-            <a:spLocks/>
-          </p:cNvSpPr>
-          <p:nvPr/>
-        </p:nvSpPr>
-        <p:spPr>
-          <a:xfrm>
-            <a:off x="256032" y="5689600"/>
-            <a:ext cx="8229600" cy="666750"/>
-          </a:xfrm>
-          <a:prstGeom prst="rect">
+          <a:prstGeom prst="downArrow">
             <a:avLst/>
           </a:prstGeom>
         </p:spPr>
-        <p:txBody>
-          <a:bodyPr vert="horz" lIns="91440" tIns="45720" rIns="91440" bIns="45720" rtlCol="0">
-            <a:normAutofit/>
-          </a:bodyPr>
-          <a:lstStyle>
-            <a:lvl1pPr marL="342900" indent="-342900" algn="l" defTabSz="457200" rtl="0" eaLnBrk="1" latinLnBrk="0" hangingPunct="1">
-              <a:spcBef>
-                <a:spcPct val="20000"/>
-              </a:spcBef>
-              <a:buFont typeface="Arial"/>
-              <a:buChar char="•"/>
-              <a:defRPr kumimoji="1" sz="3200" kern="1200">
-                <a:solidFill>
-                  <a:schemeClr val="tx1"/>
-                </a:solidFill>
-                <a:latin typeface="+mn-lt"/>
-                <a:ea typeface="+mn-ea"/>
-                <a:cs typeface="+mn-cs"/>
-              </a:defRPr>
-            </a:lvl1pPr>
-            <a:lvl2pPr marL="742950" indent="-285750" algn="l" defTabSz="457200" rtl="0" eaLnBrk="1" latinLnBrk="0" hangingPunct="1">
-              <a:spcBef>
-                <a:spcPct val="20000"/>
-              </a:spcBef>
-              <a:buFont typeface="Arial"/>
-              <a:buChar char="–"/>
-              <a:defRPr kumimoji="1" sz="2800" kern="1200">
-                <a:solidFill>
-                  <a:schemeClr val="tx1"/>
-                </a:solidFill>
-                <a:latin typeface="+mn-lt"/>
-                <a:ea typeface="+mn-ea"/>
-                <a:cs typeface="+mn-cs"/>
-              </a:defRPr>
-            </a:lvl2pPr>
-            <a:lvl3pPr marL="1143000" indent="-228600" algn="l" defTabSz="457200" rtl="0" eaLnBrk="1" latinLnBrk="0" hangingPunct="1">
-              <a:spcBef>
-                <a:spcPct val="20000"/>
-              </a:spcBef>
-              <a:buFont typeface="Arial"/>
-              <a:buChar char="•"/>
-              <a:defRPr kumimoji="1" sz="2400" kern="1200">
-                <a:solidFill>
-                  <a:schemeClr val="tx1"/>
-                </a:solidFill>
-                <a:latin typeface="+mn-lt"/>
-                <a:ea typeface="+mn-ea"/>
-                <a:cs typeface="+mn-cs"/>
-              </a:defRPr>
-            </a:lvl3pPr>
-            <a:lvl4pPr marL="1600200" indent="-228600" algn="l" defTabSz="457200" rtl="0" eaLnBrk="1" latinLnBrk="0" hangingPunct="1">
-              <a:spcBef>
-                <a:spcPct val="20000"/>
-              </a:spcBef>
-              <a:buFont typeface="Arial"/>
-              <a:buChar char="–"/>
-              <a:defRPr kumimoji="1" sz="2000" kern="1200">
-                <a:solidFill>
-                  <a:schemeClr val="tx1"/>
-                </a:solidFill>
-                <a:latin typeface="+mn-lt"/>
-                <a:ea typeface="+mn-ea"/>
-                <a:cs typeface="+mn-cs"/>
-              </a:defRPr>
-            </a:lvl4pPr>
-            <a:lvl5pPr marL="2057400" indent="-228600" algn="l" defTabSz="457200" rtl="0" eaLnBrk="1" latinLnBrk="0" hangingPunct="1">
-              <a:spcBef>
-                <a:spcPct val="20000"/>
-              </a:spcBef>
-              <a:buFont typeface="Arial"/>
-              <a:buChar char="»"/>
-              <a:defRPr kumimoji="1" sz="2000" kern="1200">
-                <a:solidFill>
-                  <a:schemeClr val="tx1"/>
-                </a:solidFill>
-                <a:latin typeface="+mn-lt"/>
-                <a:ea typeface="+mn-ea"/>
-                <a:cs typeface="+mn-cs"/>
-              </a:defRPr>
-            </a:lvl5pPr>
-            <a:lvl6pPr marL="2514600" indent="-228600" algn="l" defTabSz="457200" rtl="0" eaLnBrk="1" latinLnBrk="0" hangingPunct="1">
-              <a:spcBef>
-                <a:spcPct val="20000"/>
-              </a:spcBef>
-              <a:buFont typeface="Arial"/>
-              <a:buChar char="•"/>
-              <a:defRPr kumimoji="1" sz="2000" kern="1200">
-                <a:solidFill>
-                  <a:schemeClr val="tx1"/>
-                </a:solidFill>
-                <a:latin typeface="+mn-lt"/>
-                <a:ea typeface="+mn-ea"/>
-                <a:cs typeface="+mn-cs"/>
-              </a:defRPr>
-            </a:lvl6pPr>
-            <a:lvl7pPr marL="2971800" indent="-228600" algn="l" defTabSz="457200" rtl="0" eaLnBrk="1" latinLnBrk="0" hangingPunct="1">
-              <a:spcBef>
-                <a:spcPct val="20000"/>
-              </a:spcBef>
-              <a:buFont typeface="Arial"/>
-              <a:buChar char="•"/>
-              <a:defRPr kumimoji="1" sz="2000" kern="1200">
-                <a:solidFill>
-                  <a:schemeClr val="tx1"/>
-                </a:solidFill>
-                <a:latin typeface="+mn-lt"/>
-                <a:ea typeface="+mn-ea"/>
-                <a:cs typeface="+mn-cs"/>
-              </a:defRPr>
-            </a:lvl7pPr>
-            <a:lvl8pPr marL="3429000" indent="-228600" algn="l" defTabSz="457200" rtl="0" eaLnBrk="1" latinLnBrk="0" hangingPunct="1">
-              <a:spcBef>
-                <a:spcPct val="20000"/>
-              </a:spcBef>
-              <a:buFont typeface="Arial"/>
-              <a:buChar char="•"/>
-              <a:defRPr kumimoji="1" sz="2000" kern="1200">
-                <a:solidFill>
-                  <a:schemeClr val="tx1"/>
-                </a:solidFill>
-                <a:latin typeface="+mn-lt"/>
-                <a:ea typeface="+mn-ea"/>
-                <a:cs typeface="+mn-cs"/>
-              </a:defRPr>
-            </a:lvl8pPr>
-            <a:lvl9pPr marL="3886200" indent="-228600" algn="l" defTabSz="457200" rtl="0" eaLnBrk="1" latinLnBrk="0" hangingPunct="1">
-              <a:spcBef>
-                <a:spcPct val="20000"/>
-              </a:spcBef>
-              <a:buFont typeface="Arial"/>
-              <a:buChar char="•"/>
-              <a:defRPr kumimoji="1" sz="2000" kern="1200">
-                <a:solidFill>
-                  <a:schemeClr val="tx1"/>
-                </a:solidFill>
-                <a:latin typeface="+mn-lt"/>
-                <a:ea typeface="+mn-ea"/>
-                <a:cs typeface="+mn-cs"/>
-              </a:defRPr>
-            </a:lvl9pPr>
-          </a:lstStyle>
-          <a:p>
-            <a:r>
-              <a:rPr lang="ja-JP" altLang="en-US" sz="2400" dirty="0" smtClean="0">
-                <a:effectLst>
-                  <a:glow rad="355600">
-                    <a:schemeClr val="bg1">
-                      <a:alpha val="75000"/>
-                    </a:schemeClr>
-                  </a:glow>
-                </a:effectLst>
-              </a:rPr>
-              <a:t>下記リンクよりダウンロードも出来ます</a:t>
-            </a:r>
-            <a:endParaRPr lang="en-US" altLang="ja-JP" sz="2400" dirty="0" smtClean="0">
-              <a:effectLst>
-                <a:glow rad="355600">
-                  <a:schemeClr val="bg1">
-                    <a:alpha val="75000"/>
-                  </a:schemeClr>
-                </a:glow>
-              </a:effectLst>
-            </a:endParaRPr>
-          </a:p>
-        </p:txBody>
-      </p:sp>
-      <p:sp>
-        <p:nvSpPr>
-          <p:cNvPr id="3" name="コンテンツ プレースホルダー 2"/>
-          <p:cNvSpPr>
-            <a:spLocks noGrp="1"/>
-          </p:cNvSpPr>
-          <p:nvPr>
-            <p:ph idx="1"/>
-          </p:nvPr>
-        </p:nvSpPr>
-        <p:spPr>
-          <a:xfrm>
-            <a:off x="2426206" y="1674812"/>
-            <a:ext cx="6717793" cy="1320800"/>
-          </a:xfrm>
-        </p:spPr>
-        <p:txBody>
-          <a:bodyPr>
-            <a:normAutofit/>
-          </a:bodyPr>
-          <a:lstStyle/>
-          <a:p>
-            <a:r>
-              <a:rPr kumimoji="1" lang="ja-JP" altLang="en-US" sz="3600" dirty="0" smtClean="0">
-                <a:effectLst>
-                  <a:glow rad="355600">
-                    <a:schemeClr val="bg1">
-                      <a:alpha val="75000"/>
-                    </a:schemeClr>
-                  </a:glow>
-                </a:effectLst>
-              </a:rPr>
-              <a:t>アイコンをダブルクリックします</a:t>
-            </a:r>
-            <a:endParaRPr kumimoji="1" lang="en-US" altLang="ja-JP" sz="3600" dirty="0" smtClean="0">
-              <a:effectLst>
-                <a:glow rad="355600">
-                  <a:schemeClr val="bg1">
-                    <a:alpha val="75000"/>
-                  </a:schemeClr>
-                </a:glow>
-              </a:effectLst>
-            </a:endParaRPr>
-          </a:p>
-        </p:txBody>
-      </p:sp>
-      <p:sp>
-        <p:nvSpPr>
-          <p:cNvPr id="12" name="テキスト ボックス 11"/>
-          <p:cNvSpPr txBox="1"/>
-          <p:nvPr/>
-        </p:nvSpPr>
-        <p:spPr>
-          <a:xfrm rot="1344118">
-            <a:off x="2694433" y="2978433"/>
-            <a:ext cx="1148778" cy="523220"/>
-          </a:xfrm>
-          <a:prstGeom prst="rect">
-            <a:avLst/>
-          </a:prstGeom>
-          <a:noFill/>
-        </p:spPr>
-        <p:txBody>
-          <a:bodyPr wrap="square" rtlCol="0">
-            <a:spAutoFit/>
-          </a:bodyPr>
-          <a:lstStyle/>
-          <a:p>
-            <a:r>
-              <a:rPr kumimoji="1" lang="ja-JP" altLang="en-US" sz="2800" dirty="0" smtClean="0"/>
-              <a:t>起動</a:t>
-            </a:r>
-            <a:endParaRPr kumimoji="1" lang="ja-JP" altLang="en-US" sz="2800" dirty="0"/>
+        <p:style>
+          <a:lnRef idx="1">
+            <a:schemeClr val="accent1"/>
+          </a:lnRef>
+          <a:fillRef idx="2">
+            <a:schemeClr val="accent1"/>
+          </a:fillRef>
+          <a:effectRef idx="1">
+            <a:schemeClr val="accent1"/>
+          </a:effectRef>
+          <a:fontRef idx="minor">
+            <a:schemeClr val="dk1"/>
+          </a:fontRef>
+        </p:style>
+        <p:txBody>
+          <a:bodyPr rtlCol="0" anchor="ctr"/>
+          <a:lstStyle/>
+          <a:p>
+            <a:pPr algn="ctr"/>
+            <a:r>
+              <a:rPr kumimoji="1" lang="ja-JP" altLang="en-US" dirty="0" smtClean="0"/>
+              <a:t>クリック</a:t>
+            </a:r>
+            <a:endParaRPr kumimoji="1" lang="ja-JP" altLang="en-US" dirty="0"/>
           </a:p>
         </p:txBody>
       </p:sp>
@@ -15264,22 +15462,22 @@
       </p:grpSpPr>
       <p:pic>
         <p:nvPicPr>
-          <p:cNvPr id="11" name="図 10"/>
+          <p:cNvPr id="13" name="図 12"/>
           <p:cNvPicPr>
             <a:picLocks noChangeAspect="1"/>
           </p:cNvPicPr>
           <p:nvPr/>
         </p:nvPicPr>
         <p:blipFill>
-          <a:blip r:embed="rId3"/>
+          <a:blip r:embed="rId2"/>
           <a:stretch>
             <a:fillRect/>
           </a:stretch>
         </p:blipFill>
         <p:spPr>
           <a:xfrm>
-            <a:off x="172680" y="1600138"/>
-            <a:ext cx="8793023" cy="4569014"/>
+            <a:off x="3635708" y="3300736"/>
+            <a:ext cx="5153650" cy="2677930"/>
           </a:xfrm>
           <a:prstGeom prst="rect">
             <a:avLst/>
@@ -15296,18 +15494,21 @@
             <p:ph type="title"/>
           </p:nvPr>
         </p:nvSpPr>
-        <p:spPr/>
-        <p:txBody>
-          <a:bodyPr/>
-          <a:lstStyle/>
-          <a:p>
-            <a:r>
-              <a:rPr lang="ja-JP" altLang="en-US" dirty="0"/>
-              <a:t>スケッチ作成補助</a:t>
-            </a:r>
-            <a:r>
-              <a:rPr lang="ja-JP" altLang="en-US" dirty="0" smtClean="0"/>
-              <a:t>ツールの説明</a:t>
+        <p:spPr>
+          <a:xfrm>
+            <a:off x="0" y="533400"/>
+            <a:ext cx="9143999" cy="990600"/>
+          </a:xfrm>
+        </p:spPr>
+        <p:txBody>
+          <a:bodyPr>
+            <a:normAutofit/>
+          </a:bodyPr>
+          <a:lstStyle/>
+          <a:p>
+            <a:r>
+              <a:rPr kumimoji="1" lang="ja-JP" altLang="en-US" dirty="0" smtClean="0"/>
+              <a:t>スケッチ作成補助ツールを起動</a:t>
             </a:r>
             <a:endParaRPr kumimoji="1" lang="ja-JP" altLang="en-US" dirty="0"/>
           </a:p>
@@ -15328,210 +15529,17 @@
           <a:bodyPr/>
           <a:lstStyle/>
           <a:p>
-            <a:fld id="{0CFEC368-1D7A-4F81-ABF6-AE0E36BAF64C}" type="slidenum">
-              <a:rPr lang="en-US" smtClean="0"/>
-              <a:pPr/>
+            <a:fld id="{BF8FB451-06E7-554B-86B4-243C60A4CE23}" type="slidenum">
+              <a:rPr kumimoji="1" lang="ja-JP" altLang="en-US" smtClean="0"/>
               <a:t>9</a:t>
             </a:fld>
-            <a:endParaRPr lang="en-US"/>
-          </a:p>
-        </p:txBody>
-      </p:sp>
-      <p:sp>
-        <p:nvSpPr>
-          <p:cNvPr id="7" name="右中かっこ 6"/>
-          <p:cNvSpPr/>
-          <p:nvPr/>
-        </p:nvSpPr>
-        <p:spPr>
-          <a:xfrm rot="5400000">
-            <a:off x="4528020" y="4560683"/>
-            <a:ext cx="283031" cy="365760"/>
-          </a:xfrm>
-          <a:prstGeom prst="rightBrace">
-            <a:avLst/>
-          </a:prstGeom>
-          <a:ln w="76200">
-            <a:solidFill>
-              <a:srgbClr val="00B050"/>
-            </a:solidFill>
-          </a:ln>
-          <a:effectLst>
-            <a:glow rad="101600">
-              <a:schemeClr val="bg1">
-                <a:alpha val="60000"/>
-              </a:schemeClr>
-            </a:glow>
-          </a:effectLst>
-        </p:spPr>
-        <p:style>
-          <a:lnRef idx="1">
-            <a:schemeClr val="accent1"/>
-          </a:lnRef>
-          <a:fillRef idx="0">
-            <a:schemeClr val="accent1"/>
-          </a:fillRef>
-          <a:effectRef idx="0">
-            <a:schemeClr val="accent1"/>
-          </a:effectRef>
-          <a:fontRef idx="minor">
-            <a:schemeClr val="tx1"/>
-          </a:fontRef>
-        </p:style>
-        <p:txBody>
-          <a:bodyPr rtlCol="0" anchor="ctr"/>
-          <a:lstStyle/>
-          <a:p>
-            <a:pPr algn="ctr"/>
             <a:endParaRPr kumimoji="1" lang="ja-JP" altLang="en-US"/>
           </a:p>
         </p:txBody>
       </p:sp>
       <p:sp>
         <p:nvSpPr>
-          <p:cNvPr id="8" name="右中かっこ 7"/>
-          <p:cNvSpPr/>
-          <p:nvPr/>
-        </p:nvSpPr>
-        <p:spPr>
-          <a:xfrm rot="5400000">
-            <a:off x="5899187" y="4571567"/>
-            <a:ext cx="283031" cy="365760"/>
-          </a:xfrm>
-          <a:prstGeom prst="rightBrace">
-            <a:avLst/>
-          </a:prstGeom>
-          <a:ln w="76200">
-            <a:solidFill>
-              <a:srgbClr val="00B050"/>
-            </a:solidFill>
-          </a:ln>
-          <a:effectLst>
-            <a:glow rad="101600">
-              <a:schemeClr val="bg1">
-                <a:alpha val="60000"/>
-              </a:schemeClr>
-            </a:glow>
-          </a:effectLst>
-        </p:spPr>
-        <p:style>
-          <a:lnRef idx="1">
-            <a:schemeClr val="accent1"/>
-          </a:lnRef>
-          <a:fillRef idx="0">
-            <a:schemeClr val="accent1"/>
-          </a:fillRef>
-          <a:effectRef idx="0">
-            <a:schemeClr val="accent1"/>
-          </a:effectRef>
-          <a:fontRef idx="minor">
-            <a:schemeClr val="tx1"/>
-          </a:fontRef>
-        </p:style>
-        <p:txBody>
-          <a:bodyPr rtlCol="0" anchor="ctr"/>
-          <a:lstStyle/>
-          <a:p>
-            <a:pPr algn="ctr"/>
-            <a:endParaRPr kumimoji="1" lang="ja-JP" altLang="en-US"/>
-          </a:p>
-        </p:txBody>
-      </p:sp>
-      <p:sp>
-        <p:nvSpPr>
-          <p:cNvPr id="9" name="角丸四角形 8"/>
-          <p:cNvSpPr/>
-          <p:nvPr/>
-        </p:nvSpPr>
-        <p:spPr>
-          <a:xfrm>
-            <a:off x="2653068" y="4895963"/>
-            <a:ext cx="5371009" cy="583474"/>
-          </a:xfrm>
-          <a:prstGeom prst="roundRect">
-            <a:avLst/>
-          </a:prstGeom>
-          <a:solidFill>
-            <a:schemeClr val="bg1"/>
-          </a:solidFill>
-          <a:ln w="57150">
-            <a:solidFill>
-              <a:srgbClr val="00B050"/>
-            </a:solidFill>
-          </a:ln>
-        </p:spPr>
-        <p:style>
-          <a:lnRef idx="2">
-            <a:schemeClr val="accent1">
-              <a:shade val="50000"/>
-            </a:schemeClr>
-          </a:lnRef>
-          <a:fillRef idx="1">
-            <a:schemeClr val="accent1"/>
-          </a:fillRef>
-          <a:effectRef idx="0">
-            <a:schemeClr val="accent1"/>
-          </a:effectRef>
-          <a:fontRef idx="minor">
-            <a:schemeClr val="lt1"/>
-          </a:fontRef>
-        </p:style>
-        <p:txBody>
-          <a:bodyPr rtlCol="0" anchor="ctr"/>
-          <a:lstStyle/>
-          <a:p>
-            <a:pPr algn="ctr"/>
-            <a:r>
-              <a:rPr kumimoji="1" lang="ja-JP" altLang="en-US" sz="3600" dirty="0" smtClean="0">
-                <a:solidFill>
-                  <a:schemeClr val="tx1"/>
-                </a:solidFill>
-              </a:rPr>
-              <a:t>入力欄は</a:t>
-            </a:r>
-            <a:r>
-              <a:rPr kumimoji="1" lang="en-US" altLang="ja-JP" sz="3600" dirty="0" smtClean="0">
-                <a:solidFill>
-                  <a:schemeClr val="tx1"/>
-                </a:solidFill>
-              </a:rPr>
-              <a:t>N, O, R, S</a:t>
-            </a:r>
-            <a:r>
-              <a:rPr kumimoji="1" lang="ja-JP" altLang="en-US" sz="3600" dirty="0" smtClean="0">
-                <a:solidFill>
-                  <a:schemeClr val="tx1"/>
-                </a:solidFill>
-              </a:rPr>
-              <a:t>の</a:t>
-            </a:r>
-            <a:r>
-              <a:rPr kumimoji="1" lang="en-US" altLang="ja-JP" sz="3600" dirty="0" smtClean="0">
-                <a:solidFill>
-                  <a:schemeClr val="tx1"/>
-                </a:solidFill>
-              </a:rPr>
-              <a:t>4</a:t>
-            </a:r>
-            <a:r>
-              <a:rPr kumimoji="1" lang="ja-JP" altLang="en-US" sz="3600" dirty="0" smtClean="0">
-                <a:solidFill>
-                  <a:schemeClr val="tx1"/>
-                </a:solidFill>
-              </a:rPr>
-              <a:t>列</a:t>
-            </a:r>
-            <a:endParaRPr kumimoji="1" lang="ja-JP" altLang="en-US" sz="3600" dirty="0">
-              <a:solidFill>
-                <a:schemeClr val="tx1"/>
-              </a:solidFill>
-            </a:endParaRPr>
-          </a:p>
-        </p:txBody>
-      </p:sp>
-      <p:sp>
-        <p:nvSpPr>
-          <p:cNvPr id="10" name="正方形/長方形 9"/>
+          <p:cNvPr id="8" name="正方形/長方形 7"/>
           <p:cNvSpPr/>
           <p:nvPr/>
         </p:nvSpPr>
@@ -15577,16 +15585,159 @@
           </a:p>
         </p:txBody>
       </p:sp>
+      <p:pic>
+        <p:nvPicPr>
+          <p:cNvPr id="5" name="図 4"/>
+          <p:cNvPicPr>
+            <a:picLocks noChangeAspect="1"/>
+          </p:cNvPicPr>
+          <p:nvPr/>
+        </p:nvPicPr>
+        <p:blipFill>
+          <a:blip r:embed="rId3"/>
+          <a:stretch>
+            <a:fillRect/>
+          </a:stretch>
+        </p:blipFill>
+        <p:spPr>
+          <a:xfrm>
+            <a:off x="17584" y="2281172"/>
+            <a:ext cx="2234303" cy="3176034"/>
+          </a:xfrm>
+          <a:prstGeom prst="rect">
+            <a:avLst/>
+          </a:prstGeom>
+        </p:spPr>
+      </p:pic>
+      <p:cxnSp>
+        <p:nvCxnSpPr>
+          <p:cNvPr id="10" name="直線矢印コネクタ 9"/>
+          <p:cNvCxnSpPr/>
+          <p:nvPr/>
+        </p:nvCxnSpPr>
+        <p:spPr>
+          <a:xfrm>
+            <a:off x="1987094" y="3589661"/>
+            <a:ext cx="1804416" cy="719328"/>
+          </a:xfrm>
+          <a:prstGeom prst="straightConnector1">
+            <a:avLst/>
+          </a:prstGeom>
+          <a:ln w="76200">
+            <a:tailEnd type="triangle"/>
+          </a:ln>
+        </p:spPr>
+        <p:style>
+          <a:lnRef idx="2">
+            <a:schemeClr val="dk1"/>
+          </a:lnRef>
+          <a:fillRef idx="0">
+            <a:schemeClr val="dk1"/>
+          </a:fillRef>
+          <a:effectRef idx="1">
+            <a:schemeClr val="dk1"/>
+          </a:effectRef>
+          <a:fontRef idx="minor">
+            <a:schemeClr val="tx1"/>
+          </a:fontRef>
+        </p:style>
+      </p:cxnSp>
+      <p:sp>
+        <p:nvSpPr>
+          <p:cNvPr id="3" name="コンテンツ プレースホルダー 2"/>
+          <p:cNvSpPr>
+            <a:spLocks noGrp="1"/>
+          </p:cNvSpPr>
+          <p:nvPr>
+            <p:ph idx="1"/>
+          </p:nvPr>
+        </p:nvSpPr>
+        <p:spPr>
+          <a:xfrm>
+            <a:off x="2540977" y="2196272"/>
+            <a:ext cx="6384065" cy="1320800"/>
+          </a:xfrm>
+        </p:spPr>
+        <p:txBody>
+          <a:bodyPr>
+            <a:normAutofit/>
+          </a:bodyPr>
+          <a:lstStyle/>
+          <a:p>
+            <a:pPr marL="0" indent="0">
+              <a:buNone/>
+            </a:pPr>
+            <a:r>
+              <a:rPr kumimoji="1" lang="ja-JP" altLang="en-US" sz="3600" dirty="0" smtClean="0">
+                <a:effectLst>
+                  <a:glow rad="355600">
+                    <a:schemeClr val="bg1">
+                      <a:alpha val="75000"/>
+                    </a:schemeClr>
+                  </a:glow>
+                </a:effectLst>
+              </a:rPr>
+              <a:t>アイコンをダブルクリックします</a:t>
+            </a:r>
+            <a:endParaRPr kumimoji="1" lang="en-US" altLang="ja-JP" sz="3600" dirty="0" smtClean="0">
+              <a:effectLst>
+                <a:glow rad="355600">
+                  <a:schemeClr val="bg1">
+                    <a:alpha val="75000"/>
+                  </a:schemeClr>
+                </a:glow>
+              </a:effectLst>
+            </a:endParaRPr>
+          </a:p>
+        </p:txBody>
+      </p:sp>
+      <p:sp>
+        <p:nvSpPr>
+          <p:cNvPr id="12" name="テキスト ボックス 11"/>
+          <p:cNvSpPr txBox="1"/>
+          <p:nvPr/>
+        </p:nvSpPr>
+        <p:spPr>
+          <a:xfrm rot="1344118">
+            <a:off x="2475476" y="3499893"/>
+            <a:ext cx="1148778" cy="523220"/>
+          </a:xfrm>
+          <a:prstGeom prst="rect">
+            <a:avLst/>
+          </a:prstGeom>
+          <a:noFill/>
+        </p:spPr>
+        <p:txBody>
+          <a:bodyPr wrap="square" rtlCol="0">
+            <a:spAutoFit/>
+          </a:bodyPr>
+          <a:lstStyle/>
+          <a:p>
+            <a:r>
+              <a:rPr kumimoji="1" lang="ja-JP" altLang="en-US" sz="2800" dirty="0" smtClean="0"/>
+              <a:t>起動</a:t>
+            </a:r>
+            <a:endParaRPr kumimoji="1" lang="ja-JP" altLang="en-US" sz="2800" dirty="0"/>
+          </a:p>
+        </p:txBody>
+      </p:sp>
     </p:spTree>
     <p:extLst>
       <p:ext uri="{BB962C8B-B14F-4D97-AF65-F5344CB8AC3E}">
-        <p14:creationId xmlns:p14="http://schemas.microsoft.com/office/powerpoint/2010/main" val="2498091226"/>
+        <p14:creationId xmlns:p14="http://schemas.microsoft.com/office/powerpoint/2010/main" val="4157547186"/>
       </p:ext>
     </p:extLst>
   </p:cSld>
   <p:clrMapOvr>
     <a:masterClrMapping/>
   </p:clrMapOvr>
+  <p:timing>
+    <p:tnLst>
+      <p:par>
+        <p:cTn id="1" dur="indefinite" restart="never" nodeType="tmRoot"/>
+      </p:par>
+    </p:tnLst>
+  </p:timing>
 </p:sld>
 </file>
 
